--- a/doc/Documentation.pptx
+++ b/doc/Documentation.pptx
@@ -2,30 +2,43 @@
 <file path=ppt/presentation.xml><?xml version="1.0" encoding="utf-8"?>
 <p:presentation xmlns:a="http://schemas.openxmlformats.org/drawingml/2006/main" xmlns:r="http://schemas.openxmlformats.org/officeDocument/2006/relationships" xmlns:mc="http://schemas.openxmlformats.org/markup-compatibility/2006" xmlns:mv="urn:schemas-microsoft-com:mac:vml" xmlns:p="http://schemas.openxmlformats.org/presentationml/2006/main" xmlns:c="http://schemas.openxmlformats.org/drawingml/2006/chart" xmlns:dgm="http://schemas.openxmlformats.org/drawingml/2006/diagram" xmlns:o="urn:schemas-microsoft-com:office:office" xmlns:v="urn:schemas-microsoft-com:vml" xmlns:pvml="urn:schemas-microsoft-com:office:powerpoint" xmlns:com="http://schemas.openxmlformats.org/drawingml/2006/compatibility" xmlns:p14="http://schemas.microsoft.com/office/powerpoint/2010/main" xmlns:p15="http://schemas.microsoft.com/office/powerpoint/2012/main" xmlns:ahyp="http://schemas.microsoft.com/office/drawing/2018/hyperlinkcolor" autoCompressPictures="0" embedTrueTypeFonts="1" strictFirstAndLastChars="0" saveSubsetFonts="1">
   <p:sldMasterIdLst>
-    <p:sldMasterId id="2147483659" r:id="rId5"/>
+    <p:sldMasterId id="2147483659" r:id="rId4"/>
   </p:sldMasterIdLst>
   <p:notesMasterIdLst>
-    <p:notesMasterId r:id="rId6"/>
+    <p:notesMasterId r:id="rId5"/>
   </p:notesMasterIdLst>
   <p:sldIdLst>
-    <p:sldId id="256" r:id="rId7"/>
-    <p:sldId id="257" r:id="rId8"/>
-    <p:sldId id="258" r:id="rId9"/>
-    <p:sldId id="259" r:id="rId10"/>
-    <p:sldId id="260" r:id="rId11"/>
-    <p:sldId id="261" r:id="rId12"/>
-    <p:sldId id="262" r:id="rId13"/>
-    <p:sldId id="263" r:id="rId14"/>
+    <p:sldId id="256" r:id="rId6"/>
+    <p:sldId id="257" r:id="rId7"/>
+    <p:sldId id="258" r:id="rId8"/>
+    <p:sldId id="259" r:id="rId9"/>
+    <p:sldId id="260" r:id="rId10"/>
+    <p:sldId id="261" r:id="rId11"/>
+    <p:sldId id="262" r:id="rId12"/>
+    <p:sldId id="263" r:id="rId13"/>
+    <p:sldId id="264" r:id="rId14"/>
+    <p:sldId id="265" r:id="rId15"/>
+    <p:sldId id="266" r:id="rId16"/>
+    <p:sldId id="267" r:id="rId17"/>
+    <p:sldId id="268" r:id="rId18"/>
+    <p:sldId id="269" r:id="rId19"/>
   </p:sldIdLst>
   <p:sldSz cy="5143500" cx="9144000"/>
   <p:notesSz cx="6858000" cy="9144000"/>
   <p:embeddedFontLst>
     <p:embeddedFont>
+      <p:font typeface="Roboto"/>
+      <p:regular r:id="rId20"/>
+      <p:bold r:id="rId21"/>
+      <p:italic r:id="rId22"/>
+      <p:boldItalic r:id="rId23"/>
+    </p:embeddedFont>
+    <p:embeddedFont>
       <p:font typeface="Roboto Mono"/>
-      <p:regular r:id="rId15"/>
-      <p:bold r:id="rId16"/>
-      <p:italic r:id="rId17"/>
-      <p:boldItalic r:id="rId18"/>
+      <p:regular r:id="rId24"/>
+      <p:bold r:id="rId25"/>
+      <p:italic r:id="rId26"/>
+      <p:boldItalic r:id="rId27"/>
     </p:embeddedFont>
   </p:embeddedFontLst>
   <p:defaultTextStyle>
@@ -274,42 +287,6 @@
     </p:ext>
   </p:extLst>
 </p:presentation>
-</file>
-
-<file path=ppt/commentAuthors.xml><?xml version="1.0" encoding="utf-8"?>
-<p:cmAuthorLst xmlns:a="http://schemas.openxmlformats.org/drawingml/2006/main" xmlns:r="http://schemas.openxmlformats.org/officeDocument/2006/relationships" xmlns:mc="http://schemas.openxmlformats.org/markup-compatibility/2006" xmlns:mv="urn:schemas-microsoft-com:mac:vml" xmlns:p="http://schemas.openxmlformats.org/presentationml/2006/main" xmlns:c="http://schemas.openxmlformats.org/drawingml/2006/chart" xmlns:dgm="http://schemas.openxmlformats.org/drawingml/2006/diagram" xmlns:o="urn:schemas-microsoft-com:office:office" xmlns:v="urn:schemas-microsoft-com:vml" xmlns:pvml="urn:schemas-microsoft-com:office:powerpoint" xmlns:com="http://schemas.openxmlformats.org/drawingml/2006/compatibility" xmlns:p14="http://schemas.microsoft.com/office/powerpoint/2010/main" xmlns:p15="http://schemas.microsoft.com/office/powerpoint/2012/main" xmlns:ahyp="http://schemas.microsoft.com/office/drawing/2018/hyperlinkcolor">
-  <p:cmAuthor clrIdx="0" id="0" initials="" lastIdx="3" name="Angela Zhang"/>
-</p:cmAuthorLst>
-</file>
-
-<file path=ppt/comments/comment1.xml><?xml version="1.0" encoding="utf-8"?>
-<p:cmLst xmlns:a="http://schemas.openxmlformats.org/drawingml/2006/main" xmlns:r="http://schemas.openxmlformats.org/officeDocument/2006/relationships" xmlns:mc="http://schemas.openxmlformats.org/markup-compatibility/2006" xmlns:mv="urn:schemas-microsoft-com:mac:vml" xmlns:p="http://schemas.openxmlformats.org/presentationml/2006/main" xmlns:c="http://schemas.openxmlformats.org/drawingml/2006/chart" xmlns:dgm="http://schemas.openxmlformats.org/drawingml/2006/diagram" xmlns:o="urn:schemas-microsoft-com:office:office" xmlns:v="urn:schemas-microsoft-com:vml" xmlns:pvml="urn:schemas-microsoft-com:office:powerpoint" xmlns:com="http://schemas.openxmlformats.org/drawingml/2006/compatibility" xmlns:p14="http://schemas.microsoft.com/office/powerpoint/2010/main" xmlns:p15="http://schemas.microsoft.com/office/powerpoint/2012/main" xmlns:ahyp="http://schemas.microsoft.com/office/drawing/2018/hyperlinkcolor">
-  <p:cm authorId="0" idx="1" dt="2024-04-23T20:07:00.154">
-    <p:pos x="6000" y="0"/>
-    <p:text>@anallasa@asu.edu
-_Assigned to anallasa@asu.edu_</p:text>
-  </p:cm>
-</p:cmLst>
-</file>
-
-<file path=ppt/comments/comment2.xml><?xml version="1.0" encoding="utf-8"?>
-<p:cmLst xmlns:a="http://schemas.openxmlformats.org/drawingml/2006/main" xmlns:r="http://schemas.openxmlformats.org/officeDocument/2006/relationships" xmlns:mc="http://schemas.openxmlformats.org/markup-compatibility/2006" xmlns:mv="urn:schemas-microsoft-com:mac:vml" xmlns:p="http://schemas.openxmlformats.org/presentationml/2006/main" xmlns:c="http://schemas.openxmlformats.org/drawingml/2006/chart" xmlns:dgm="http://schemas.openxmlformats.org/drawingml/2006/diagram" xmlns:o="urn:schemas-microsoft-com:office:office" xmlns:v="urn:schemas-microsoft-com:vml" xmlns:pvml="urn:schemas-microsoft-com:office:powerpoint" xmlns:com="http://schemas.openxmlformats.org/drawingml/2006/compatibility" xmlns:p14="http://schemas.microsoft.com/office/powerpoint/2010/main" xmlns:p15="http://schemas.microsoft.com/office/powerpoint/2012/main" xmlns:ahyp="http://schemas.microsoft.com/office/drawing/2018/hyperlinkcolor">
-  <p:cm authorId="0" idx="2" dt="2024-04-23T18:26:20.471">
-    <p:pos x="6000" y="0"/>
-    <p:text>@boanli@asu.edu
-_Assigned to boanli@asu.edu_</p:text>
-  </p:cm>
-</p:cmLst>
-</file>
-
-<file path=ppt/comments/comment3.xml><?xml version="1.0" encoding="utf-8"?>
-<p:cmLst xmlns:a="http://schemas.openxmlformats.org/drawingml/2006/main" xmlns:r="http://schemas.openxmlformats.org/officeDocument/2006/relationships" xmlns:mc="http://schemas.openxmlformats.org/markup-compatibility/2006" xmlns:mv="urn:schemas-microsoft-com:mac:vml" xmlns:p="http://schemas.openxmlformats.org/presentationml/2006/main" xmlns:c="http://schemas.openxmlformats.org/drawingml/2006/chart" xmlns:dgm="http://schemas.openxmlformats.org/drawingml/2006/diagram" xmlns:o="urn:schemas-microsoft-com:office:office" xmlns:v="urn:schemas-microsoft-com:vml" xmlns:pvml="urn:schemas-microsoft-com:office:powerpoint" xmlns:com="http://schemas.openxmlformats.org/drawingml/2006/compatibility" xmlns:p14="http://schemas.microsoft.com/office/powerpoint/2010/main" xmlns:p15="http://schemas.microsoft.com/office/powerpoint/2012/main" xmlns:ahyp="http://schemas.microsoft.com/office/drawing/2018/hyperlinkcolor">
-  <p:cm authorId="0" idx="3" dt="2024-04-23T20:07:32.054">
-    <p:pos x="6000" y="0"/>
-    <p:text>@vrathor@asu.edu
-_Assigned to vrathor@asu.edu_</p:text>
-  </p:cm>
-</p:cmLst>
 </file>
 
 <file path=ppt/notesMasters/notesMaster1.xml><?xml version="1.0" encoding="utf-8"?>
@@ -837,6 +814,501 @@
 </p:notes>
 </file>
 
+<file path=ppt/notesSlides/notesSlide10.xml><?xml version="1.0" encoding="utf-8"?>
+<p:notes xmlns:a="http://schemas.openxmlformats.org/drawingml/2006/main" xmlns:r="http://schemas.openxmlformats.org/officeDocument/2006/relationships" xmlns:mc="http://schemas.openxmlformats.org/markup-compatibility/2006" xmlns:mv="urn:schemas-microsoft-com:mac:vml" xmlns:p="http://schemas.openxmlformats.org/presentationml/2006/main" xmlns:c="http://schemas.openxmlformats.org/drawingml/2006/chart" xmlns:dgm="http://schemas.openxmlformats.org/drawingml/2006/diagram" xmlns:o="urn:schemas-microsoft-com:office:office" xmlns:v="urn:schemas-microsoft-com:vml" xmlns:pvml="urn:schemas-microsoft-com:office:powerpoint" xmlns:com="http://schemas.openxmlformats.org/drawingml/2006/compatibility" xmlns:p14="http://schemas.microsoft.com/office/powerpoint/2010/main" xmlns:p15="http://schemas.microsoft.com/office/powerpoint/2012/main" xmlns:ahyp="http://schemas.microsoft.com/office/drawing/2018/hyperlinkcolor" showMasterPhAnim="0" showMasterSp="0">
+  <p:cSld>
+    <p:spTree>
+      <p:nvGrpSpPr>
+        <p:cNvPr id="109" name="Shape 109"/>
+        <p:cNvGrpSpPr/>
+        <p:nvPr/>
+      </p:nvGrpSpPr>
+      <p:grpSpPr>
+        <a:xfrm>
+          <a:off x="0" y="0"/>
+          <a:ext cx="0" cy="0"/>
+          <a:chOff x="0" y="0"/>
+          <a:chExt cx="0" cy="0"/>
+        </a:xfrm>
+      </p:grpSpPr>
+      <p:sp>
+        <p:nvSpPr>
+          <p:cNvPr id="110" name="Google Shape;110;g2d037d9fe16_0_15:notes"/>
+          <p:cNvSpPr/>
+          <p:nvPr>
+            <p:ph idx="2" type="sldImg"/>
+          </p:nvPr>
+        </p:nvSpPr>
+        <p:spPr>
+          <a:xfrm>
+            <a:off x="381300" y="685800"/>
+            <a:ext cx="6096000" cy="3429000"/>
+          </a:xfrm>
+          <a:custGeom>
+            <a:rect b="b" l="l" r="r" t="t"/>
+            <a:pathLst>
+              <a:path extrusionOk="0" h="120000" w="120000">
+                <a:moveTo>
+                  <a:pt x="0" y="0"/>
+                </a:moveTo>
+                <a:lnTo>
+                  <a:pt x="120000" y="0"/>
+                </a:lnTo>
+                <a:lnTo>
+                  <a:pt x="120000" y="120000"/>
+                </a:lnTo>
+                <a:lnTo>
+                  <a:pt x="0" y="120000"/>
+                </a:lnTo>
+                <a:close/>
+              </a:path>
+            </a:pathLst>
+          </a:custGeom>
+        </p:spPr>
+      </p:sp>
+      <p:sp>
+        <p:nvSpPr>
+          <p:cNvPr id="111" name="Google Shape;111;g2d037d9fe16_0_15:notes"/>
+          <p:cNvSpPr txBox="1"/>
+          <p:nvPr>
+            <p:ph idx="1" type="body"/>
+          </p:nvPr>
+        </p:nvSpPr>
+        <p:spPr>
+          <a:xfrm>
+            <a:off x="685800" y="4343400"/>
+            <a:ext cx="5486400" cy="4114800"/>
+          </a:xfrm>
+          <a:prstGeom prst="rect">
+            <a:avLst/>
+          </a:prstGeom>
+        </p:spPr>
+        <p:txBody>
+          <a:bodyPr anchorCtr="0" anchor="t" bIns="91425" lIns="91425" spcFirstLastPara="1" rIns="91425" wrap="square" tIns="91425">
+            <a:noAutofit/>
+          </a:bodyPr>
+          <a:lstStyle/>
+          <a:p>
+            <a:pPr indent="0" lvl="0" marL="0" rtl="0" algn="l">
+              <a:spcBef>
+                <a:spcPts val="0"/>
+              </a:spcBef>
+              <a:spcAft>
+                <a:spcPts val="0"/>
+              </a:spcAft>
+              <a:buNone/>
+            </a:pPr>
+            <a:r>
+              <a:t/>
+            </a:r>
+            <a:endParaRPr/>
+          </a:p>
+        </p:txBody>
+      </p:sp>
+    </p:spTree>
+  </p:cSld>
+  <p:clrMapOvr>
+    <a:masterClrMapping/>
+  </p:clrMapOvr>
+</p:notes>
+</file>
+
+<file path=ppt/notesSlides/notesSlide11.xml><?xml version="1.0" encoding="utf-8"?>
+<p:notes xmlns:a="http://schemas.openxmlformats.org/drawingml/2006/main" xmlns:r="http://schemas.openxmlformats.org/officeDocument/2006/relationships" xmlns:mc="http://schemas.openxmlformats.org/markup-compatibility/2006" xmlns:mv="urn:schemas-microsoft-com:mac:vml" xmlns:p="http://schemas.openxmlformats.org/presentationml/2006/main" xmlns:c="http://schemas.openxmlformats.org/drawingml/2006/chart" xmlns:dgm="http://schemas.openxmlformats.org/drawingml/2006/diagram" xmlns:o="urn:schemas-microsoft-com:office:office" xmlns:v="urn:schemas-microsoft-com:vml" xmlns:pvml="urn:schemas-microsoft-com:office:powerpoint" xmlns:com="http://schemas.openxmlformats.org/drawingml/2006/compatibility" xmlns:p14="http://schemas.microsoft.com/office/powerpoint/2010/main" xmlns:p15="http://schemas.microsoft.com/office/powerpoint/2012/main" xmlns:ahyp="http://schemas.microsoft.com/office/drawing/2018/hyperlinkcolor" showMasterPhAnim="0" showMasterSp="0">
+  <p:cSld>
+    <p:spTree>
+      <p:nvGrpSpPr>
+        <p:cNvPr id="116" name="Shape 116"/>
+        <p:cNvGrpSpPr/>
+        <p:nvPr/>
+      </p:nvGrpSpPr>
+      <p:grpSpPr>
+        <a:xfrm>
+          <a:off x="0" y="0"/>
+          <a:ext cx="0" cy="0"/>
+          <a:chOff x="0" y="0"/>
+          <a:chExt cx="0" cy="0"/>
+        </a:xfrm>
+      </p:grpSpPr>
+      <p:sp>
+        <p:nvSpPr>
+          <p:cNvPr id="117" name="Google Shape;117;g2d037d9fe16_0_20:notes"/>
+          <p:cNvSpPr/>
+          <p:nvPr>
+            <p:ph idx="2" type="sldImg"/>
+          </p:nvPr>
+        </p:nvSpPr>
+        <p:spPr>
+          <a:xfrm>
+            <a:off x="381300" y="685800"/>
+            <a:ext cx="6096000" cy="3429000"/>
+          </a:xfrm>
+          <a:custGeom>
+            <a:rect b="b" l="l" r="r" t="t"/>
+            <a:pathLst>
+              <a:path extrusionOk="0" h="120000" w="120000">
+                <a:moveTo>
+                  <a:pt x="0" y="0"/>
+                </a:moveTo>
+                <a:lnTo>
+                  <a:pt x="120000" y="0"/>
+                </a:lnTo>
+                <a:lnTo>
+                  <a:pt x="120000" y="120000"/>
+                </a:lnTo>
+                <a:lnTo>
+                  <a:pt x="0" y="120000"/>
+                </a:lnTo>
+                <a:close/>
+              </a:path>
+            </a:pathLst>
+          </a:custGeom>
+        </p:spPr>
+      </p:sp>
+      <p:sp>
+        <p:nvSpPr>
+          <p:cNvPr id="118" name="Google Shape;118;g2d037d9fe16_0_20:notes"/>
+          <p:cNvSpPr txBox="1"/>
+          <p:nvPr>
+            <p:ph idx="1" type="body"/>
+          </p:nvPr>
+        </p:nvSpPr>
+        <p:spPr>
+          <a:xfrm>
+            <a:off x="685800" y="4343400"/>
+            <a:ext cx="5486400" cy="4114800"/>
+          </a:xfrm>
+          <a:prstGeom prst="rect">
+            <a:avLst/>
+          </a:prstGeom>
+        </p:spPr>
+        <p:txBody>
+          <a:bodyPr anchorCtr="0" anchor="t" bIns="91425" lIns="91425" spcFirstLastPara="1" rIns="91425" wrap="square" tIns="91425">
+            <a:noAutofit/>
+          </a:bodyPr>
+          <a:lstStyle/>
+          <a:p>
+            <a:pPr indent="0" lvl="0" marL="0" rtl="0" algn="l">
+              <a:spcBef>
+                <a:spcPts val="0"/>
+              </a:spcBef>
+              <a:spcAft>
+                <a:spcPts val="0"/>
+              </a:spcAft>
+              <a:buNone/>
+            </a:pPr>
+            <a:r>
+              <a:t/>
+            </a:r>
+            <a:endParaRPr/>
+          </a:p>
+        </p:txBody>
+      </p:sp>
+    </p:spTree>
+  </p:cSld>
+  <p:clrMapOvr>
+    <a:masterClrMapping/>
+  </p:clrMapOvr>
+</p:notes>
+</file>
+
+<file path=ppt/notesSlides/notesSlide12.xml><?xml version="1.0" encoding="utf-8"?>
+<p:notes xmlns:a="http://schemas.openxmlformats.org/drawingml/2006/main" xmlns:r="http://schemas.openxmlformats.org/officeDocument/2006/relationships" xmlns:mc="http://schemas.openxmlformats.org/markup-compatibility/2006" xmlns:mv="urn:schemas-microsoft-com:mac:vml" xmlns:p="http://schemas.openxmlformats.org/presentationml/2006/main" xmlns:c="http://schemas.openxmlformats.org/drawingml/2006/chart" xmlns:dgm="http://schemas.openxmlformats.org/drawingml/2006/diagram" xmlns:o="urn:schemas-microsoft-com:office:office" xmlns:v="urn:schemas-microsoft-com:vml" xmlns:pvml="urn:schemas-microsoft-com:office:powerpoint" xmlns:com="http://schemas.openxmlformats.org/drawingml/2006/compatibility" xmlns:p14="http://schemas.microsoft.com/office/powerpoint/2010/main" xmlns:p15="http://schemas.microsoft.com/office/powerpoint/2012/main" xmlns:ahyp="http://schemas.microsoft.com/office/drawing/2018/hyperlinkcolor" showMasterPhAnim="0" showMasterSp="0">
+  <p:cSld>
+    <p:spTree>
+      <p:nvGrpSpPr>
+        <p:cNvPr id="123" name="Shape 123"/>
+        <p:cNvGrpSpPr/>
+        <p:nvPr/>
+      </p:nvGrpSpPr>
+      <p:grpSpPr>
+        <a:xfrm>
+          <a:off x="0" y="0"/>
+          <a:ext cx="0" cy="0"/>
+          <a:chOff x="0" y="0"/>
+          <a:chExt cx="0" cy="0"/>
+        </a:xfrm>
+      </p:grpSpPr>
+      <p:sp>
+        <p:nvSpPr>
+          <p:cNvPr id="124" name="Google Shape;124;g2d037d9fe16_0_25:notes"/>
+          <p:cNvSpPr/>
+          <p:nvPr>
+            <p:ph idx="2" type="sldImg"/>
+          </p:nvPr>
+        </p:nvSpPr>
+        <p:spPr>
+          <a:xfrm>
+            <a:off x="381300" y="685800"/>
+            <a:ext cx="6096000" cy="3429000"/>
+          </a:xfrm>
+          <a:custGeom>
+            <a:rect b="b" l="l" r="r" t="t"/>
+            <a:pathLst>
+              <a:path extrusionOk="0" h="120000" w="120000">
+                <a:moveTo>
+                  <a:pt x="0" y="0"/>
+                </a:moveTo>
+                <a:lnTo>
+                  <a:pt x="120000" y="0"/>
+                </a:lnTo>
+                <a:lnTo>
+                  <a:pt x="120000" y="120000"/>
+                </a:lnTo>
+                <a:lnTo>
+                  <a:pt x="0" y="120000"/>
+                </a:lnTo>
+                <a:close/>
+              </a:path>
+            </a:pathLst>
+          </a:custGeom>
+        </p:spPr>
+      </p:sp>
+      <p:sp>
+        <p:nvSpPr>
+          <p:cNvPr id="125" name="Google Shape;125;g2d037d9fe16_0_25:notes"/>
+          <p:cNvSpPr txBox="1"/>
+          <p:nvPr>
+            <p:ph idx="1" type="body"/>
+          </p:nvPr>
+        </p:nvSpPr>
+        <p:spPr>
+          <a:xfrm>
+            <a:off x="685800" y="4343400"/>
+            <a:ext cx="5486400" cy="4114800"/>
+          </a:xfrm>
+          <a:prstGeom prst="rect">
+            <a:avLst/>
+          </a:prstGeom>
+        </p:spPr>
+        <p:txBody>
+          <a:bodyPr anchorCtr="0" anchor="t" bIns="91425" lIns="91425" spcFirstLastPara="1" rIns="91425" wrap="square" tIns="91425">
+            <a:noAutofit/>
+          </a:bodyPr>
+          <a:lstStyle/>
+          <a:p>
+            <a:pPr indent="0" lvl="0" marL="0" rtl="0" algn="l">
+              <a:spcBef>
+                <a:spcPts val="0"/>
+              </a:spcBef>
+              <a:spcAft>
+                <a:spcPts val="0"/>
+              </a:spcAft>
+              <a:buNone/>
+            </a:pPr>
+            <a:r>
+              <a:t/>
+            </a:r>
+            <a:endParaRPr/>
+          </a:p>
+        </p:txBody>
+      </p:sp>
+    </p:spTree>
+  </p:cSld>
+  <p:clrMapOvr>
+    <a:masterClrMapping/>
+  </p:clrMapOvr>
+</p:notes>
+</file>
+
+<file path=ppt/notesSlides/notesSlide13.xml><?xml version="1.0" encoding="utf-8"?>
+<p:notes xmlns:a="http://schemas.openxmlformats.org/drawingml/2006/main" xmlns:r="http://schemas.openxmlformats.org/officeDocument/2006/relationships" xmlns:mc="http://schemas.openxmlformats.org/markup-compatibility/2006" xmlns:mv="urn:schemas-microsoft-com:mac:vml" xmlns:p="http://schemas.openxmlformats.org/presentationml/2006/main" xmlns:c="http://schemas.openxmlformats.org/drawingml/2006/chart" xmlns:dgm="http://schemas.openxmlformats.org/drawingml/2006/diagram" xmlns:o="urn:schemas-microsoft-com:office:office" xmlns:v="urn:schemas-microsoft-com:vml" xmlns:pvml="urn:schemas-microsoft-com:office:powerpoint" xmlns:com="http://schemas.openxmlformats.org/drawingml/2006/compatibility" xmlns:p14="http://schemas.microsoft.com/office/powerpoint/2010/main" xmlns:p15="http://schemas.microsoft.com/office/powerpoint/2012/main" xmlns:ahyp="http://schemas.microsoft.com/office/drawing/2018/hyperlinkcolor" showMasterPhAnim="0" showMasterSp="0">
+  <p:cSld>
+    <p:spTree>
+      <p:nvGrpSpPr>
+        <p:cNvPr id="130" name="Shape 130"/>
+        <p:cNvGrpSpPr/>
+        <p:nvPr/>
+      </p:nvGrpSpPr>
+      <p:grpSpPr>
+        <a:xfrm>
+          <a:off x="0" y="0"/>
+          <a:ext cx="0" cy="0"/>
+          <a:chOff x="0" y="0"/>
+          <a:chExt cx="0" cy="0"/>
+        </a:xfrm>
+      </p:grpSpPr>
+      <p:sp>
+        <p:nvSpPr>
+          <p:cNvPr id="131" name="Google Shape;131;g2d037d9fe16_0_30:notes"/>
+          <p:cNvSpPr/>
+          <p:nvPr>
+            <p:ph idx="2" type="sldImg"/>
+          </p:nvPr>
+        </p:nvSpPr>
+        <p:spPr>
+          <a:xfrm>
+            <a:off x="381300" y="685800"/>
+            <a:ext cx="6096000" cy="3429000"/>
+          </a:xfrm>
+          <a:custGeom>
+            <a:rect b="b" l="l" r="r" t="t"/>
+            <a:pathLst>
+              <a:path extrusionOk="0" h="120000" w="120000">
+                <a:moveTo>
+                  <a:pt x="0" y="0"/>
+                </a:moveTo>
+                <a:lnTo>
+                  <a:pt x="120000" y="0"/>
+                </a:lnTo>
+                <a:lnTo>
+                  <a:pt x="120000" y="120000"/>
+                </a:lnTo>
+                <a:lnTo>
+                  <a:pt x="0" y="120000"/>
+                </a:lnTo>
+                <a:close/>
+              </a:path>
+            </a:pathLst>
+          </a:custGeom>
+        </p:spPr>
+      </p:sp>
+      <p:sp>
+        <p:nvSpPr>
+          <p:cNvPr id="132" name="Google Shape;132;g2d037d9fe16_0_30:notes"/>
+          <p:cNvSpPr txBox="1"/>
+          <p:nvPr>
+            <p:ph idx="1" type="body"/>
+          </p:nvPr>
+        </p:nvSpPr>
+        <p:spPr>
+          <a:xfrm>
+            <a:off x="685800" y="4343400"/>
+            <a:ext cx="5486400" cy="4114800"/>
+          </a:xfrm>
+          <a:prstGeom prst="rect">
+            <a:avLst/>
+          </a:prstGeom>
+        </p:spPr>
+        <p:txBody>
+          <a:bodyPr anchorCtr="0" anchor="t" bIns="91425" lIns="91425" spcFirstLastPara="1" rIns="91425" wrap="square" tIns="91425">
+            <a:noAutofit/>
+          </a:bodyPr>
+          <a:lstStyle/>
+          <a:p>
+            <a:pPr indent="0" lvl="0" marL="0" rtl="0" algn="l">
+              <a:spcBef>
+                <a:spcPts val="0"/>
+              </a:spcBef>
+              <a:spcAft>
+                <a:spcPts val="0"/>
+              </a:spcAft>
+              <a:buNone/>
+            </a:pPr>
+            <a:r>
+              <a:t/>
+            </a:r>
+            <a:endParaRPr/>
+          </a:p>
+        </p:txBody>
+      </p:sp>
+    </p:spTree>
+  </p:cSld>
+  <p:clrMapOvr>
+    <a:masterClrMapping/>
+  </p:clrMapOvr>
+</p:notes>
+</file>
+
+<file path=ppt/notesSlides/notesSlide14.xml><?xml version="1.0" encoding="utf-8"?>
+<p:notes xmlns:a="http://schemas.openxmlformats.org/drawingml/2006/main" xmlns:r="http://schemas.openxmlformats.org/officeDocument/2006/relationships" xmlns:mc="http://schemas.openxmlformats.org/markup-compatibility/2006" xmlns:mv="urn:schemas-microsoft-com:mac:vml" xmlns:p="http://schemas.openxmlformats.org/presentationml/2006/main" xmlns:c="http://schemas.openxmlformats.org/drawingml/2006/chart" xmlns:dgm="http://schemas.openxmlformats.org/drawingml/2006/diagram" xmlns:o="urn:schemas-microsoft-com:office:office" xmlns:v="urn:schemas-microsoft-com:vml" xmlns:pvml="urn:schemas-microsoft-com:office:powerpoint" xmlns:com="http://schemas.openxmlformats.org/drawingml/2006/compatibility" xmlns:p14="http://schemas.microsoft.com/office/powerpoint/2010/main" xmlns:p15="http://schemas.microsoft.com/office/powerpoint/2012/main" xmlns:ahyp="http://schemas.microsoft.com/office/drawing/2018/hyperlinkcolor" showMasterPhAnim="0" showMasterSp="0">
+  <p:cSld>
+    <p:spTree>
+      <p:nvGrpSpPr>
+        <p:cNvPr id="137" name="Shape 137"/>
+        <p:cNvGrpSpPr/>
+        <p:nvPr/>
+      </p:nvGrpSpPr>
+      <p:grpSpPr>
+        <a:xfrm>
+          <a:off x="0" y="0"/>
+          <a:ext cx="0" cy="0"/>
+          <a:chOff x="0" y="0"/>
+          <a:chExt cx="0" cy="0"/>
+        </a:xfrm>
+      </p:grpSpPr>
+      <p:sp>
+        <p:nvSpPr>
+          <p:cNvPr id="138" name="Google Shape;138;g2d037d9fe16_0_5:notes"/>
+          <p:cNvSpPr/>
+          <p:nvPr>
+            <p:ph idx="2" type="sldImg"/>
+          </p:nvPr>
+        </p:nvSpPr>
+        <p:spPr>
+          <a:xfrm>
+            <a:off x="381300" y="685800"/>
+            <a:ext cx="6096000" cy="3429000"/>
+          </a:xfrm>
+          <a:custGeom>
+            <a:rect b="b" l="l" r="r" t="t"/>
+            <a:pathLst>
+              <a:path extrusionOk="0" h="120000" w="120000">
+                <a:moveTo>
+                  <a:pt x="0" y="0"/>
+                </a:moveTo>
+                <a:lnTo>
+                  <a:pt x="120000" y="0"/>
+                </a:lnTo>
+                <a:lnTo>
+                  <a:pt x="120000" y="120000"/>
+                </a:lnTo>
+                <a:lnTo>
+                  <a:pt x="0" y="120000"/>
+                </a:lnTo>
+                <a:close/>
+              </a:path>
+            </a:pathLst>
+          </a:custGeom>
+        </p:spPr>
+      </p:sp>
+      <p:sp>
+        <p:nvSpPr>
+          <p:cNvPr id="139" name="Google Shape;139;g2d037d9fe16_0_5:notes"/>
+          <p:cNvSpPr txBox="1"/>
+          <p:nvPr>
+            <p:ph idx="1" type="body"/>
+          </p:nvPr>
+        </p:nvSpPr>
+        <p:spPr>
+          <a:xfrm>
+            <a:off x="685800" y="4343400"/>
+            <a:ext cx="5486400" cy="4114800"/>
+          </a:xfrm>
+          <a:prstGeom prst="rect">
+            <a:avLst/>
+          </a:prstGeom>
+        </p:spPr>
+        <p:txBody>
+          <a:bodyPr anchorCtr="0" anchor="t" bIns="91425" lIns="91425" spcFirstLastPara="1" rIns="91425" wrap="square" tIns="91425">
+            <a:noAutofit/>
+          </a:bodyPr>
+          <a:lstStyle/>
+          <a:p>
+            <a:pPr indent="0" lvl="0" marL="0" rtl="0" algn="l">
+              <a:spcBef>
+                <a:spcPts val="0"/>
+              </a:spcBef>
+              <a:spcAft>
+                <a:spcPts val="0"/>
+              </a:spcAft>
+              <a:buNone/>
+            </a:pPr>
+            <a:r>
+              <a:t/>
+            </a:r>
+            <a:endParaRPr/>
+          </a:p>
+        </p:txBody>
+      </p:sp>
+    </p:spTree>
+  </p:cSld>
+  <p:clrMapOvr>
+    <a:masterClrMapping/>
+  </p:clrMapOvr>
+</p:notes>
+</file>
+
 <file path=ppt/notesSlides/notesSlide2.xml><?xml version="1.0" encoding="utf-8"?>
 <p:notes xmlns:a="http://schemas.openxmlformats.org/drawingml/2006/main" xmlns:r="http://schemas.openxmlformats.org/officeDocument/2006/relationships" xmlns:mc="http://schemas.openxmlformats.org/markup-compatibility/2006" xmlns:mv="urn:schemas-microsoft-com:mac:vml" xmlns:p="http://schemas.openxmlformats.org/presentationml/2006/main" xmlns:c="http://schemas.openxmlformats.org/drawingml/2006/chart" xmlns:dgm="http://schemas.openxmlformats.org/drawingml/2006/diagram" xmlns:o="urn:schemas-microsoft-com:office:office" xmlns:v="urn:schemas-microsoft-com:vml" xmlns:pvml="urn:schemas-microsoft-com:office:powerpoint" xmlns:com="http://schemas.openxmlformats.org/drawingml/2006/compatibility" xmlns:p14="http://schemas.microsoft.com/office/powerpoint/2010/main" xmlns:p15="http://schemas.microsoft.com/office/powerpoint/2012/main" xmlns:ahyp="http://schemas.microsoft.com/office/drawing/2018/hyperlinkcolor" showMasterPhAnim="0" showMasterSp="0">
   <p:cSld>
@@ -1139,7 +1611,7 @@
   <p:cSld>
     <p:spTree>
       <p:nvGrpSpPr>
-        <p:cNvPr id="75" name="Shape 75"/>
+        <p:cNvPr id="76" name="Shape 76"/>
         <p:cNvGrpSpPr/>
         <p:nvPr/>
       </p:nvGrpSpPr>
@@ -1153,7 +1625,7 @@
       </p:grpSpPr>
       <p:sp>
         <p:nvSpPr>
-          <p:cNvPr id="76" name="Google Shape;76;g2cec63ab867_0_5:notes"/>
+          <p:cNvPr id="77" name="Google Shape;77;g2cec63ab867_0_5:notes"/>
           <p:cNvSpPr/>
           <p:nvPr>
             <p:ph idx="2" type="sldImg"/>
@@ -1188,7 +1660,7 @@
       </p:sp>
       <p:sp>
         <p:nvSpPr>
-          <p:cNvPr id="77" name="Google Shape;77;g2cec63ab867_0_5:notes"/>
+          <p:cNvPr id="78" name="Google Shape;78;g2cec63ab867_0_5:notes"/>
           <p:cNvSpPr txBox="1"/>
           <p:nvPr>
             <p:ph idx="1" type="body"/>
@@ -1238,7 +1710,7 @@
   <p:cSld>
     <p:spTree>
       <p:nvGrpSpPr>
-        <p:cNvPr id="82" name="Shape 82"/>
+        <p:cNvPr id="83" name="Shape 83"/>
         <p:cNvGrpSpPr/>
         <p:nvPr/>
       </p:nvGrpSpPr>
@@ -1252,7 +1724,7 @@
       </p:grpSpPr>
       <p:sp>
         <p:nvSpPr>
-          <p:cNvPr id="83" name="Google Shape;83;g2cf1d518104_0_3:notes"/>
+          <p:cNvPr id="84" name="Google Shape;84;g2cf1d518104_0_3:notes"/>
           <p:cNvSpPr/>
           <p:nvPr>
             <p:ph idx="2" type="sldImg"/>
@@ -1287,7 +1759,7 @@
       </p:sp>
       <p:sp>
         <p:nvSpPr>
-          <p:cNvPr id="84" name="Google Shape;84;g2cf1d518104_0_3:notes"/>
+          <p:cNvPr id="85" name="Google Shape;85;g2cf1d518104_0_3:notes"/>
           <p:cNvSpPr txBox="1"/>
           <p:nvPr>
             <p:ph idx="1" type="body"/>
@@ -1337,7 +1809,7 @@
   <p:cSld>
     <p:spTree>
       <p:nvGrpSpPr>
-        <p:cNvPr id="88" name="Shape 88"/>
+        <p:cNvPr id="89" name="Shape 89"/>
         <p:cNvGrpSpPr/>
         <p:nvPr/>
       </p:nvGrpSpPr>
@@ -1351,7 +1823,7 @@
       </p:grpSpPr>
       <p:sp>
         <p:nvSpPr>
-          <p:cNvPr id="89" name="Google Shape;89;g2cec63ab867_0_10:notes"/>
+          <p:cNvPr id="90" name="Google Shape;90;g2cec63ab867_0_10:notes"/>
           <p:cNvSpPr/>
           <p:nvPr>
             <p:ph idx="2" type="sldImg"/>
@@ -1386,7 +1858,7 @@
       </p:sp>
       <p:sp>
         <p:nvSpPr>
-          <p:cNvPr id="90" name="Google Shape;90;g2cec63ab867_0_10:notes"/>
+          <p:cNvPr id="91" name="Google Shape;91;g2cec63ab867_0_10:notes"/>
           <p:cNvSpPr txBox="1"/>
           <p:nvPr>
             <p:ph idx="1" type="body"/>
@@ -1436,7 +1908,7 @@
   <p:cSld>
     <p:spTree>
       <p:nvGrpSpPr>
-        <p:cNvPr id="95" name="Shape 95"/>
+        <p:cNvPr id="96" name="Shape 96"/>
         <p:cNvGrpSpPr/>
         <p:nvPr/>
       </p:nvGrpSpPr>
@@ -1450,7 +1922,7 @@
       </p:grpSpPr>
       <p:sp>
         <p:nvSpPr>
-          <p:cNvPr id="96" name="Google Shape;96;g2cec63ab867_0_20:notes"/>
+          <p:cNvPr id="97" name="Google Shape;97;g2d037d9fe16_0_0:notes"/>
           <p:cNvSpPr/>
           <p:nvPr>
             <p:ph idx="2" type="sldImg"/>
@@ -1485,7 +1957,106 @@
       </p:sp>
       <p:sp>
         <p:nvSpPr>
-          <p:cNvPr id="97" name="Google Shape;97;g2cec63ab867_0_20:notes"/>
+          <p:cNvPr id="98" name="Google Shape;98;g2d037d9fe16_0_0:notes"/>
+          <p:cNvSpPr txBox="1"/>
+          <p:nvPr>
+            <p:ph idx="1" type="body"/>
+          </p:nvPr>
+        </p:nvSpPr>
+        <p:spPr>
+          <a:xfrm>
+            <a:off x="685800" y="4343400"/>
+            <a:ext cx="5486400" cy="4114800"/>
+          </a:xfrm>
+          <a:prstGeom prst="rect">
+            <a:avLst/>
+          </a:prstGeom>
+        </p:spPr>
+        <p:txBody>
+          <a:bodyPr anchorCtr="0" anchor="t" bIns="91425" lIns="91425" spcFirstLastPara="1" rIns="91425" wrap="square" tIns="91425">
+            <a:noAutofit/>
+          </a:bodyPr>
+          <a:lstStyle/>
+          <a:p>
+            <a:pPr indent="0" lvl="0" marL="0" rtl="0" algn="l">
+              <a:spcBef>
+                <a:spcPts val="0"/>
+              </a:spcBef>
+              <a:spcAft>
+                <a:spcPts val="0"/>
+              </a:spcAft>
+              <a:buNone/>
+            </a:pPr>
+            <a:r>
+              <a:t/>
+            </a:r>
+            <a:endParaRPr/>
+          </a:p>
+        </p:txBody>
+      </p:sp>
+    </p:spTree>
+  </p:cSld>
+  <p:clrMapOvr>
+    <a:masterClrMapping/>
+  </p:clrMapOvr>
+</p:notes>
+</file>
+
+<file path=ppt/notesSlides/notesSlide9.xml><?xml version="1.0" encoding="utf-8"?>
+<p:notes xmlns:a="http://schemas.openxmlformats.org/drawingml/2006/main" xmlns:r="http://schemas.openxmlformats.org/officeDocument/2006/relationships" xmlns:mc="http://schemas.openxmlformats.org/markup-compatibility/2006" xmlns:mv="urn:schemas-microsoft-com:mac:vml" xmlns:p="http://schemas.openxmlformats.org/presentationml/2006/main" xmlns:c="http://schemas.openxmlformats.org/drawingml/2006/chart" xmlns:dgm="http://schemas.openxmlformats.org/drawingml/2006/diagram" xmlns:o="urn:schemas-microsoft-com:office:office" xmlns:v="urn:schemas-microsoft-com:vml" xmlns:pvml="urn:schemas-microsoft-com:office:powerpoint" xmlns:com="http://schemas.openxmlformats.org/drawingml/2006/compatibility" xmlns:p14="http://schemas.microsoft.com/office/powerpoint/2010/main" xmlns:p15="http://schemas.microsoft.com/office/powerpoint/2012/main" xmlns:ahyp="http://schemas.microsoft.com/office/drawing/2018/hyperlinkcolor" showMasterPhAnim="0" showMasterSp="0">
+  <p:cSld>
+    <p:spTree>
+      <p:nvGrpSpPr>
+        <p:cNvPr id="103" name="Shape 103"/>
+        <p:cNvGrpSpPr/>
+        <p:nvPr/>
+      </p:nvGrpSpPr>
+      <p:grpSpPr>
+        <a:xfrm>
+          <a:off x="0" y="0"/>
+          <a:ext cx="0" cy="0"/>
+          <a:chOff x="0" y="0"/>
+          <a:chExt cx="0" cy="0"/>
+        </a:xfrm>
+      </p:grpSpPr>
+      <p:sp>
+        <p:nvSpPr>
+          <p:cNvPr id="104" name="Google Shape;104;g2cec63ab867_0_20:notes"/>
+          <p:cNvSpPr/>
+          <p:nvPr>
+            <p:ph idx="2" type="sldImg"/>
+          </p:nvPr>
+        </p:nvSpPr>
+        <p:spPr>
+          <a:xfrm>
+            <a:off x="381300" y="685800"/>
+            <a:ext cx="6096000" cy="3429000"/>
+          </a:xfrm>
+          <a:custGeom>
+            <a:rect b="b" l="l" r="r" t="t"/>
+            <a:pathLst>
+              <a:path extrusionOk="0" h="120000" w="120000">
+                <a:moveTo>
+                  <a:pt x="0" y="0"/>
+                </a:moveTo>
+                <a:lnTo>
+                  <a:pt x="120000" y="0"/>
+                </a:lnTo>
+                <a:lnTo>
+                  <a:pt x="120000" y="120000"/>
+                </a:lnTo>
+                <a:lnTo>
+                  <a:pt x="0" y="120000"/>
+                </a:lnTo>
+                <a:close/>
+              </a:path>
+            </a:pathLst>
+          </a:custGeom>
+        </p:spPr>
+      </p:sp>
+      <p:sp>
+        <p:nvSpPr>
+          <p:cNvPr id="105" name="Google Shape;105;g2cec63ab867_0_20:notes"/>
           <p:cNvSpPr txBox="1"/>
           <p:nvPr>
             <p:ph idx="1" type="body"/>
@@ -6284,6 +6855,2424 @@
 </p:sld>
 </file>
 
+<file path=ppt/slides/slide10.xml><?xml version="1.0" encoding="utf-8"?>
+<p:sld xmlns:a="http://schemas.openxmlformats.org/drawingml/2006/main" xmlns:r="http://schemas.openxmlformats.org/officeDocument/2006/relationships" xmlns:mc="http://schemas.openxmlformats.org/markup-compatibility/2006" xmlns:mv="urn:schemas-microsoft-com:mac:vml" xmlns:p="http://schemas.openxmlformats.org/presentationml/2006/main" xmlns:c="http://schemas.openxmlformats.org/drawingml/2006/chart" xmlns:dgm="http://schemas.openxmlformats.org/drawingml/2006/diagram" xmlns:o="urn:schemas-microsoft-com:office:office" xmlns:v="urn:schemas-microsoft-com:vml" xmlns:pvml="urn:schemas-microsoft-com:office:powerpoint" xmlns:com="http://schemas.openxmlformats.org/drawingml/2006/compatibility" xmlns:p14="http://schemas.microsoft.com/office/powerpoint/2010/main" xmlns:p15="http://schemas.microsoft.com/office/powerpoint/2012/main" xmlns:ahyp="http://schemas.microsoft.com/office/drawing/2018/hyperlinkcolor">
+  <p:cSld>
+    <p:spTree>
+      <p:nvGrpSpPr>
+        <p:cNvPr id="112" name="Shape 112"/>
+        <p:cNvGrpSpPr/>
+        <p:nvPr/>
+      </p:nvGrpSpPr>
+      <p:grpSpPr>
+        <a:xfrm>
+          <a:off x="0" y="0"/>
+          <a:ext cx="0" cy="0"/>
+          <a:chOff x="0" y="0"/>
+          <a:chExt cx="0" cy="0"/>
+        </a:xfrm>
+      </p:grpSpPr>
+      <p:sp>
+        <p:nvSpPr>
+          <p:cNvPr id="113" name="Google Shape;113;p22"/>
+          <p:cNvSpPr txBox="1"/>
+          <p:nvPr>
+            <p:ph type="title"/>
+          </p:nvPr>
+        </p:nvSpPr>
+        <p:spPr>
+          <a:xfrm>
+            <a:off x="311700" y="445025"/>
+            <a:ext cx="8520600" cy="572700"/>
+          </a:xfrm>
+          <a:prstGeom prst="rect">
+            <a:avLst/>
+          </a:prstGeom>
+        </p:spPr>
+        <p:txBody>
+          <a:bodyPr anchorCtr="0" anchor="t" bIns="91425" lIns="91425" spcFirstLastPara="1" rIns="91425" wrap="square" tIns="91425">
+            <a:normAutofit fontScale="90000"/>
+          </a:bodyPr>
+          <a:lstStyle/>
+          <a:p>
+            <a:pPr indent="0" lvl="0" marL="0" rtl="0" algn="l">
+              <a:spcBef>
+                <a:spcPts val="0"/>
+              </a:spcBef>
+              <a:spcAft>
+                <a:spcPts val="0"/>
+              </a:spcAft>
+              <a:buNone/>
+            </a:pPr>
+            <a:r>
+              <a:rPr lang="en"/>
+              <a:t>Sample Program 1</a:t>
+            </a:r>
+            <a:endParaRPr/>
+          </a:p>
+        </p:txBody>
+      </p:sp>
+      <p:sp>
+        <p:nvSpPr>
+          <p:cNvPr id="114" name="Google Shape;114;p22"/>
+          <p:cNvSpPr txBox="1"/>
+          <p:nvPr>
+            <p:ph idx="1" type="body"/>
+          </p:nvPr>
+        </p:nvSpPr>
+        <p:spPr>
+          <a:xfrm>
+            <a:off x="311700" y="1152475"/>
+            <a:ext cx="3797700" cy="3416400"/>
+          </a:xfrm>
+          <a:prstGeom prst="rect">
+            <a:avLst/>
+          </a:prstGeom>
+        </p:spPr>
+        <p:txBody>
+          <a:bodyPr anchorCtr="0" anchor="t" bIns="91425" lIns="91425" spcFirstLastPara="1" rIns="91425" wrap="square" tIns="91425">
+            <a:noAutofit/>
+          </a:bodyPr>
+          <a:lstStyle/>
+          <a:p>
+            <a:pPr indent="0" lvl="0" marL="0" rtl="0" algn="l">
+              <a:spcBef>
+                <a:spcPts val="0"/>
+              </a:spcBef>
+              <a:spcAft>
+                <a:spcPts val="0"/>
+              </a:spcAft>
+              <a:buNone/>
+            </a:pPr>
+            <a:r>
+              <a:rPr lang="en" sz="1100">
+                <a:solidFill>
+                  <a:schemeClr val="dk1"/>
+                </a:solidFill>
+              </a:rPr>
+              <a:t>F</a:t>
+            </a:r>
+            <a:r>
+              <a:rPr lang="en" sz="1100">
+                <a:solidFill>
+                  <a:schemeClr val="dk1"/>
+                </a:solidFill>
+              </a:rPr>
+              <a:t>eatures shown: for loop, addition/multiplication, print number, not operator</a:t>
+            </a:r>
+            <a:endParaRPr sz="1100">
+              <a:solidFill>
+                <a:schemeClr val="dk1"/>
+              </a:solidFill>
+            </a:endParaRPr>
+          </a:p>
+          <a:p>
+            <a:pPr indent="0" lvl="0" marL="0" rtl="0" algn="l">
+              <a:spcBef>
+                <a:spcPts val="1200"/>
+              </a:spcBef>
+              <a:spcAft>
+                <a:spcPts val="0"/>
+              </a:spcAft>
+              <a:buNone/>
+            </a:pPr>
+            <a:r>
+              <a:rPr lang="en" sz="1100">
+                <a:solidFill>
+                  <a:schemeClr val="dk1"/>
+                </a:solidFill>
+              </a:rPr>
+              <a:t>Goal: Calculate 2 power 3</a:t>
+            </a:r>
+            <a:endParaRPr sz="1100">
+              <a:solidFill>
+                <a:schemeClr val="dk1"/>
+              </a:solidFill>
+            </a:endParaRPr>
+          </a:p>
+          <a:p>
+            <a:pPr indent="0" lvl="0" marL="0" rtl="0" algn="l">
+              <a:spcBef>
+                <a:spcPts val="1200"/>
+              </a:spcBef>
+              <a:spcAft>
+                <a:spcPts val="0"/>
+              </a:spcAft>
+              <a:buClr>
+                <a:schemeClr val="dk1"/>
+              </a:buClr>
+              <a:buSzPts val="1100"/>
+              <a:buFont typeface="Arial"/>
+              <a:buNone/>
+            </a:pPr>
+            <a:r>
+              <a:rPr lang="en" sz="1100">
+                <a:solidFill>
+                  <a:schemeClr val="dk1"/>
+                </a:solidFill>
+              </a:rPr>
+              <a:t>Expected output: 8</a:t>
+            </a:r>
+            <a:endParaRPr sz="1100">
+              <a:solidFill>
+                <a:schemeClr val="dk1"/>
+              </a:solidFill>
+            </a:endParaRPr>
+          </a:p>
+          <a:p>
+            <a:pPr indent="0" lvl="0" marL="0" rtl="0" algn="l">
+              <a:spcBef>
+                <a:spcPts val="1200"/>
+              </a:spcBef>
+              <a:spcAft>
+                <a:spcPts val="1200"/>
+              </a:spcAft>
+              <a:buNone/>
+            </a:pPr>
+            <a:r>
+              <a:t/>
+            </a:r>
+            <a:endParaRPr sz="1100"/>
+          </a:p>
+        </p:txBody>
+      </p:sp>
+      <p:sp>
+        <p:nvSpPr>
+          <p:cNvPr id="115" name="Google Shape;115;p22"/>
+          <p:cNvSpPr txBox="1"/>
+          <p:nvPr/>
+        </p:nvSpPr>
+        <p:spPr>
+          <a:xfrm>
+            <a:off x="4109400" y="1152475"/>
+            <a:ext cx="3797700" cy="3786000"/>
+          </a:xfrm>
+          <a:prstGeom prst="rect">
+            <a:avLst/>
+          </a:prstGeom>
+          <a:noFill/>
+          <a:ln>
+            <a:noFill/>
+          </a:ln>
+        </p:spPr>
+        <p:txBody>
+          <a:bodyPr anchorCtr="0" anchor="t" bIns="91425" lIns="91425" spcFirstLastPara="1" rIns="91425" wrap="square" tIns="91425">
+            <a:noAutofit/>
+          </a:bodyPr>
+          <a:lstStyle/>
+          <a:p>
+            <a:pPr indent="0" lvl="0" marL="0" rtl="0" algn="l">
+              <a:lnSpc>
+                <a:spcPct val="115000"/>
+              </a:lnSpc>
+              <a:spcBef>
+                <a:spcPts val="0"/>
+              </a:spcBef>
+              <a:spcAft>
+                <a:spcPts val="0"/>
+              </a:spcAft>
+              <a:buClr>
+                <a:schemeClr val="dk1"/>
+              </a:buClr>
+              <a:buSzPts val="1100"/>
+              <a:buFont typeface="Arial"/>
+              <a:buNone/>
+            </a:pPr>
+            <a:r>
+              <a:rPr b="1" lang="en" sz="1100">
+                <a:solidFill>
+                  <a:schemeClr val="dk2"/>
+                </a:solidFill>
+                <a:latin typeface="Roboto Mono"/>
+                <a:ea typeface="Roboto Mono"/>
+                <a:cs typeface="Roboto Mono"/>
+                <a:sym typeface="Roboto Mono"/>
+              </a:rPr>
+              <a:t>begin</a:t>
+            </a:r>
+            <a:endParaRPr b="1" sz="1100">
+              <a:solidFill>
+                <a:schemeClr val="dk2"/>
+              </a:solidFill>
+              <a:latin typeface="Roboto Mono"/>
+              <a:ea typeface="Roboto Mono"/>
+              <a:cs typeface="Roboto Mono"/>
+              <a:sym typeface="Roboto Mono"/>
+            </a:endParaRPr>
+          </a:p>
+          <a:p>
+            <a:pPr indent="0" lvl="0" marL="0" rtl="0" algn="l">
+              <a:lnSpc>
+                <a:spcPct val="115000"/>
+              </a:lnSpc>
+              <a:spcBef>
+                <a:spcPts val="1200"/>
+              </a:spcBef>
+              <a:spcAft>
+                <a:spcPts val="0"/>
+              </a:spcAft>
+              <a:buClr>
+                <a:schemeClr val="dk1"/>
+              </a:buClr>
+              <a:buSzPts val="1100"/>
+              <a:buFont typeface="Arial"/>
+              <a:buNone/>
+            </a:pPr>
+            <a:r>
+              <a:rPr b="1" lang="en" sz="1100">
+                <a:solidFill>
+                  <a:schemeClr val="dk2"/>
+                </a:solidFill>
+                <a:latin typeface="Roboto Mono"/>
+                <a:ea typeface="Roboto Mono"/>
+                <a:cs typeface="Roboto Mono"/>
+                <a:sym typeface="Roboto Mono"/>
+              </a:rPr>
+              <a:t>	z := 1;</a:t>
+            </a:r>
+            <a:endParaRPr b="1" sz="1100">
+              <a:solidFill>
+                <a:schemeClr val="dk2"/>
+              </a:solidFill>
+              <a:latin typeface="Roboto Mono"/>
+              <a:ea typeface="Roboto Mono"/>
+              <a:cs typeface="Roboto Mono"/>
+              <a:sym typeface="Roboto Mono"/>
+            </a:endParaRPr>
+          </a:p>
+          <a:p>
+            <a:pPr indent="0" lvl="0" marL="0" rtl="0" algn="l">
+              <a:lnSpc>
+                <a:spcPct val="115000"/>
+              </a:lnSpc>
+              <a:spcBef>
+                <a:spcPts val="1200"/>
+              </a:spcBef>
+              <a:spcAft>
+                <a:spcPts val="0"/>
+              </a:spcAft>
+              <a:buClr>
+                <a:schemeClr val="dk1"/>
+              </a:buClr>
+              <a:buSzPts val="1100"/>
+              <a:buFont typeface="Arial"/>
+              <a:buNone/>
+            </a:pPr>
+            <a:r>
+              <a:rPr b="1" lang="en" sz="1100">
+                <a:solidFill>
+                  <a:schemeClr val="dk2"/>
+                </a:solidFill>
+                <a:latin typeface="Roboto Mono"/>
+                <a:ea typeface="Roboto Mono"/>
+                <a:cs typeface="Roboto Mono"/>
+                <a:sym typeface="Roboto Mono"/>
+              </a:rPr>
+              <a:t>	for i := 0; not i = 3; i := i + 1 do</a:t>
+            </a:r>
+            <a:endParaRPr b="1" sz="1100">
+              <a:solidFill>
+                <a:schemeClr val="dk2"/>
+              </a:solidFill>
+              <a:latin typeface="Roboto Mono"/>
+              <a:ea typeface="Roboto Mono"/>
+              <a:cs typeface="Roboto Mono"/>
+              <a:sym typeface="Roboto Mono"/>
+            </a:endParaRPr>
+          </a:p>
+          <a:p>
+            <a:pPr indent="0" lvl="0" marL="0" rtl="0" algn="l">
+              <a:lnSpc>
+                <a:spcPct val="115000"/>
+              </a:lnSpc>
+              <a:spcBef>
+                <a:spcPts val="1200"/>
+              </a:spcBef>
+              <a:spcAft>
+                <a:spcPts val="0"/>
+              </a:spcAft>
+              <a:buClr>
+                <a:schemeClr val="dk1"/>
+              </a:buClr>
+              <a:buSzPts val="1100"/>
+              <a:buFont typeface="Arial"/>
+              <a:buNone/>
+            </a:pPr>
+            <a:r>
+              <a:rPr b="1" lang="en" sz="1100">
+                <a:solidFill>
+                  <a:schemeClr val="dk2"/>
+                </a:solidFill>
+                <a:latin typeface="Roboto Mono"/>
+                <a:ea typeface="Roboto Mono"/>
+                <a:cs typeface="Roboto Mono"/>
+                <a:sym typeface="Roboto Mono"/>
+              </a:rPr>
+              <a:t>		z := z * 2</a:t>
+            </a:r>
+            <a:endParaRPr b="1" sz="1100">
+              <a:solidFill>
+                <a:schemeClr val="dk2"/>
+              </a:solidFill>
+              <a:latin typeface="Roboto Mono"/>
+              <a:ea typeface="Roboto Mono"/>
+              <a:cs typeface="Roboto Mono"/>
+              <a:sym typeface="Roboto Mono"/>
+            </a:endParaRPr>
+          </a:p>
+          <a:p>
+            <a:pPr indent="0" lvl="0" marL="0" rtl="0" algn="l">
+              <a:lnSpc>
+                <a:spcPct val="115000"/>
+              </a:lnSpc>
+              <a:spcBef>
+                <a:spcPts val="1200"/>
+              </a:spcBef>
+              <a:spcAft>
+                <a:spcPts val="0"/>
+              </a:spcAft>
+              <a:buClr>
+                <a:schemeClr val="dk1"/>
+              </a:buClr>
+              <a:buSzPts val="1100"/>
+              <a:buFont typeface="Arial"/>
+              <a:buNone/>
+            </a:pPr>
+            <a:r>
+              <a:rPr b="1" lang="en" sz="1100">
+                <a:solidFill>
+                  <a:schemeClr val="dk2"/>
+                </a:solidFill>
+                <a:latin typeface="Roboto Mono"/>
+                <a:ea typeface="Roboto Mono"/>
+                <a:cs typeface="Roboto Mono"/>
+                <a:sym typeface="Roboto Mono"/>
+              </a:rPr>
+              <a:t>	endfor;</a:t>
+            </a:r>
+            <a:endParaRPr b="1" sz="1100">
+              <a:solidFill>
+                <a:schemeClr val="dk2"/>
+              </a:solidFill>
+              <a:latin typeface="Roboto Mono"/>
+              <a:ea typeface="Roboto Mono"/>
+              <a:cs typeface="Roboto Mono"/>
+              <a:sym typeface="Roboto Mono"/>
+            </a:endParaRPr>
+          </a:p>
+          <a:p>
+            <a:pPr indent="0" lvl="0" marL="0" rtl="0" algn="l">
+              <a:lnSpc>
+                <a:spcPct val="115000"/>
+              </a:lnSpc>
+              <a:spcBef>
+                <a:spcPts val="1200"/>
+              </a:spcBef>
+              <a:spcAft>
+                <a:spcPts val="0"/>
+              </a:spcAft>
+              <a:buClr>
+                <a:schemeClr val="dk1"/>
+              </a:buClr>
+              <a:buSzPts val="1100"/>
+              <a:buFont typeface="Arial"/>
+              <a:buNone/>
+            </a:pPr>
+            <a:r>
+              <a:rPr b="1" lang="en" sz="1100">
+                <a:solidFill>
+                  <a:schemeClr val="dk2"/>
+                </a:solidFill>
+                <a:latin typeface="Roboto Mono"/>
+                <a:ea typeface="Roboto Mono"/>
+                <a:cs typeface="Roboto Mono"/>
+                <a:sym typeface="Roboto Mono"/>
+              </a:rPr>
+              <a:t>	print(z)</a:t>
+            </a:r>
+            <a:endParaRPr b="1" sz="1100">
+              <a:solidFill>
+                <a:schemeClr val="dk2"/>
+              </a:solidFill>
+              <a:latin typeface="Roboto Mono"/>
+              <a:ea typeface="Roboto Mono"/>
+              <a:cs typeface="Roboto Mono"/>
+              <a:sym typeface="Roboto Mono"/>
+            </a:endParaRPr>
+          </a:p>
+          <a:p>
+            <a:pPr indent="0" lvl="0" marL="0" rtl="0" algn="l">
+              <a:lnSpc>
+                <a:spcPct val="115000"/>
+              </a:lnSpc>
+              <a:spcBef>
+                <a:spcPts val="1200"/>
+              </a:spcBef>
+              <a:spcAft>
+                <a:spcPts val="0"/>
+              </a:spcAft>
+              <a:buClr>
+                <a:schemeClr val="dk1"/>
+              </a:buClr>
+              <a:buSzPts val="1100"/>
+              <a:buFont typeface="Arial"/>
+              <a:buNone/>
+            </a:pPr>
+            <a:r>
+              <a:rPr b="1" lang="en" sz="1100">
+                <a:solidFill>
+                  <a:schemeClr val="dk2"/>
+                </a:solidFill>
+                <a:latin typeface="Roboto Mono"/>
+                <a:ea typeface="Roboto Mono"/>
+                <a:cs typeface="Roboto Mono"/>
+                <a:sym typeface="Roboto Mono"/>
+              </a:rPr>
+              <a:t>end.</a:t>
+            </a:r>
+            <a:endParaRPr b="1" sz="1100">
+              <a:solidFill>
+                <a:schemeClr val="dk2"/>
+              </a:solidFill>
+              <a:latin typeface="Roboto Mono"/>
+              <a:ea typeface="Roboto Mono"/>
+              <a:cs typeface="Roboto Mono"/>
+              <a:sym typeface="Roboto Mono"/>
+            </a:endParaRPr>
+          </a:p>
+          <a:p>
+            <a:pPr indent="0" lvl="0" marL="0" rtl="0" algn="l">
+              <a:spcBef>
+                <a:spcPts val="1200"/>
+              </a:spcBef>
+              <a:spcAft>
+                <a:spcPts val="0"/>
+              </a:spcAft>
+              <a:buNone/>
+            </a:pPr>
+            <a:r>
+              <a:t/>
+            </a:r>
+            <a:endParaRPr sz="1800">
+              <a:solidFill>
+                <a:schemeClr val="dk2"/>
+              </a:solidFill>
+            </a:endParaRPr>
+          </a:p>
+        </p:txBody>
+      </p:sp>
+    </p:spTree>
+  </p:cSld>
+  <p:clrMapOvr>
+    <a:masterClrMapping/>
+  </p:clrMapOvr>
+</p:sld>
+</file>
+
+<file path=ppt/slides/slide11.xml><?xml version="1.0" encoding="utf-8"?>
+<p:sld xmlns:a="http://schemas.openxmlformats.org/drawingml/2006/main" xmlns:r="http://schemas.openxmlformats.org/officeDocument/2006/relationships" xmlns:mc="http://schemas.openxmlformats.org/markup-compatibility/2006" xmlns:mv="urn:schemas-microsoft-com:mac:vml" xmlns:p="http://schemas.openxmlformats.org/presentationml/2006/main" xmlns:c="http://schemas.openxmlformats.org/drawingml/2006/chart" xmlns:dgm="http://schemas.openxmlformats.org/drawingml/2006/diagram" xmlns:o="urn:schemas-microsoft-com:office:office" xmlns:v="urn:schemas-microsoft-com:vml" xmlns:pvml="urn:schemas-microsoft-com:office:powerpoint" xmlns:com="http://schemas.openxmlformats.org/drawingml/2006/compatibility" xmlns:p14="http://schemas.microsoft.com/office/powerpoint/2010/main" xmlns:p15="http://schemas.microsoft.com/office/powerpoint/2012/main" xmlns:ahyp="http://schemas.microsoft.com/office/drawing/2018/hyperlinkcolor">
+  <p:cSld>
+    <p:spTree>
+      <p:nvGrpSpPr>
+        <p:cNvPr id="119" name="Shape 119"/>
+        <p:cNvGrpSpPr/>
+        <p:nvPr/>
+      </p:nvGrpSpPr>
+      <p:grpSpPr>
+        <a:xfrm>
+          <a:off x="0" y="0"/>
+          <a:ext cx="0" cy="0"/>
+          <a:chOff x="0" y="0"/>
+          <a:chExt cx="0" cy="0"/>
+        </a:xfrm>
+      </p:grpSpPr>
+      <p:sp>
+        <p:nvSpPr>
+          <p:cNvPr id="120" name="Google Shape;120;p23"/>
+          <p:cNvSpPr txBox="1"/>
+          <p:nvPr>
+            <p:ph type="title"/>
+          </p:nvPr>
+        </p:nvSpPr>
+        <p:spPr>
+          <a:xfrm>
+            <a:off x="311700" y="445025"/>
+            <a:ext cx="8520600" cy="572700"/>
+          </a:xfrm>
+          <a:prstGeom prst="rect">
+            <a:avLst/>
+          </a:prstGeom>
+        </p:spPr>
+        <p:txBody>
+          <a:bodyPr anchorCtr="0" anchor="t" bIns="91425" lIns="91425" spcFirstLastPara="1" rIns="91425" wrap="square" tIns="91425">
+            <a:normAutofit fontScale="90000"/>
+          </a:bodyPr>
+          <a:lstStyle/>
+          <a:p>
+            <a:pPr indent="0" lvl="0" marL="0" rtl="0" algn="l">
+              <a:spcBef>
+                <a:spcPts val="0"/>
+              </a:spcBef>
+              <a:spcAft>
+                <a:spcPts val="0"/>
+              </a:spcAft>
+              <a:buNone/>
+            </a:pPr>
+            <a:r>
+              <a:rPr lang="en"/>
+              <a:t>Sample Program 2</a:t>
+            </a:r>
+            <a:endParaRPr/>
+          </a:p>
+        </p:txBody>
+      </p:sp>
+      <p:sp>
+        <p:nvSpPr>
+          <p:cNvPr id="121" name="Google Shape;121;p23"/>
+          <p:cNvSpPr txBox="1"/>
+          <p:nvPr>
+            <p:ph idx="1" type="body"/>
+          </p:nvPr>
+        </p:nvSpPr>
+        <p:spPr>
+          <a:xfrm>
+            <a:off x="311700" y="1152475"/>
+            <a:ext cx="3779100" cy="3416400"/>
+          </a:xfrm>
+          <a:prstGeom prst="rect">
+            <a:avLst/>
+          </a:prstGeom>
+        </p:spPr>
+        <p:txBody>
+          <a:bodyPr anchorCtr="0" anchor="t" bIns="91425" lIns="91425" spcFirstLastPara="1" rIns="91425" wrap="square" tIns="91425">
+            <a:normAutofit/>
+          </a:bodyPr>
+          <a:lstStyle/>
+          <a:p>
+            <a:pPr indent="0" lvl="0" marL="0" rtl="0" algn="l">
+              <a:spcBef>
+                <a:spcPts val="0"/>
+              </a:spcBef>
+              <a:spcAft>
+                <a:spcPts val="0"/>
+              </a:spcAft>
+              <a:buNone/>
+            </a:pPr>
+            <a:r>
+              <a:rPr lang="en" sz="1100">
+                <a:solidFill>
+                  <a:schemeClr val="dk1"/>
+                </a:solidFill>
+              </a:rPr>
+              <a:t>F</a:t>
+            </a:r>
+            <a:r>
+              <a:rPr lang="en" sz="1100">
+                <a:solidFill>
+                  <a:schemeClr val="dk1"/>
+                </a:solidFill>
+              </a:rPr>
+              <a:t>eatures shown: while loop, subtraction/division</a:t>
+            </a:r>
+            <a:endParaRPr sz="1100">
+              <a:solidFill>
+                <a:schemeClr val="dk1"/>
+              </a:solidFill>
+            </a:endParaRPr>
+          </a:p>
+          <a:p>
+            <a:pPr indent="0" lvl="0" marL="0" rtl="0" algn="l">
+              <a:spcBef>
+                <a:spcPts val="1200"/>
+              </a:spcBef>
+              <a:spcAft>
+                <a:spcPts val="0"/>
+              </a:spcAft>
+              <a:buNone/>
+            </a:pPr>
+            <a:r>
+              <a:rPr lang="en" sz="1100">
+                <a:solidFill>
+                  <a:schemeClr val="dk1"/>
+                </a:solidFill>
+              </a:rPr>
+              <a:t>Goal: Divide 9 by 3 for 2 times</a:t>
+            </a:r>
+            <a:endParaRPr sz="1100">
+              <a:solidFill>
+                <a:schemeClr val="dk1"/>
+              </a:solidFill>
+            </a:endParaRPr>
+          </a:p>
+          <a:p>
+            <a:pPr indent="0" lvl="0" marL="0" rtl="0" algn="l">
+              <a:spcBef>
+                <a:spcPts val="1200"/>
+              </a:spcBef>
+              <a:spcAft>
+                <a:spcPts val="0"/>
+              </a:spcAft>
+              <a:buClr>
+                <a:schemeClr val="dk1"/>
+              </a:buClr>
+              <a:buSzPts val="1100"/>
+              <a:buFont typeface="Arial"/>
+              <a:buNone/>
+            </a:pPr>
+            <a:r>
+              <a:rPr lang="en" sz="1100">
+                <a:solidFill>
+                  <a:schemeClr val="dk1"/>
+                </a:solidFill>
+              </a:rPr>
+              <a:t>Expected output: 1</a:t>
+            </a:r>
+            <a:endParaRPr sz="1100">
+              <a:solidFill>
+                <a:schemeClr val="dk1"/>
+              </a:solidFill>
+            </a:endParaRPr>
+          </a:p>
+          <a:p>
+            <a:pPr indent="0" lvl="0" marL="0" rtl="0" algn="l">
+              <a:spcBef>
+                <a:spcPts val="1200"/>
+              </a:spcBef>
+              <a:spcAft>
+                <a:spcPts val="1200"/>
+              </a:spcAft>
+              <a:buNone/>
+            </a:pPr>
+            <a:r>
+              <a:t/>
+            </a:r>
+            <a:endParaRPr sz="1100"/>
+          </a:p>
+        </p:txBody>
+      </p:sp>
+      <p:sp>
+        <p:nvSpPr>
+          <p:cNvPr id="122" name="Google Shape;122;p23"/>
+          <p:cNvSpPr txBox="1"/>
+          <p:nvPr>
+            <p:ph idx="1" type="body"/>
+          </p:nvPr>
+        </p:nvSpPr>
+        <p:spPr>
+          <a:xfrm>
+            <a:off x="4090800" y="1152475"/>
+            <a:ext cx="3779100" cy="3416400"/>
+          </a:xfrm>
+          <a:prstGeom prst="rect">
+            <a:avLst/>
+          </a:prstGeom>
+        </p:spPr>
+        <p:txBody>
+          <a:bodyPr anchorCtr="0" anchor="t" bIns="91425" lIns="91425" spcFirstLastPara="1" rIns="91425" wrap="square" tIns="91425">
+            <a:normAutofit/>
+          </a:bodyPr>
+          <a:lstStyle/>
+          <a:p>
+            <a:pPr indent="0" lvl="0" marL="0" rtl="0" algn="l">
+              <a:spcBef>
+                <a:spcPts val="0"/>
+              </a:spcBef>
+              <a:spcAft>
+                <a:spcPts val="0"/>
+              </a:spcAft>
+              <a:buNone/>
+            </a:pPr>
+            <a:r>
+              <a:rPr b="1" lang="en" sz="1100">
+                <a:latin typeface="Roboto Mono"/>
+                <a:ea typeface="Roboto Mono"/>
+                <a:cs typeface="Roboto Mono"/>
+                <a:sym typeface="Roboto Mono"/>
+              </a:rPr>
+              <a:t>begin</a:t>
+            </a:r>
+            <a:endParaRPr b="1" sz="1100">
+              <a:latin typeface="Roboto Mono"/>
+              <a:ea typeface="Roboto Mono"/>
+              <a:cs typeface="Roboto Mono"/>
+              <a:sym typeface="Roboto Mono"/>
+            </a:endParaRPr>
+          </a:p>
+          <a:p>
+            <a:pPr indent="0" lvl="0" marL="0" rtl="0" algn="l">
+              <a:spcBef>
+                <a:spcPts val="1200"/>
+              </a:spcBef>
+              <a:spcAft>
+                <a:spcPts val="0"/>
+              </a:spcAft>
+              <a:buNone/>
+            </a:pPr>
+            <a:r>
+              <a:rPr b="1" lang="en" sz="1100">
+                <a:latin typeface="Roboto Mono"/>
+                <a:ea typeface="Roboto Mono"/>
+                <a:cs typeface="Roboto Mono"/>
+                <a:sym typeface="Roboto Mono"/>
+              </a:rPr>
+              <a:t>	i := 2;</a:t>
+            </a:r>
+            <a:endParaRPr b="1" sz="1100">
+              <a:latin typeface="Roboto Mono"/>
+              <a:ea typeface="Roboto Mono"/>
+              <a:cs typeface="Roboto Mono"/>
+              <a:sym typeface="Roboto Mono"/>
+            </a:endParaRPr>
+          </a:p>
+          <a:p>
+            <a:pPr indent="0" lvl="0" marL="0" rtl="0" algn="l">
+              <a:spcBef>
+                <a:spcPts val="1200"/>
+              </a:spcBef>
+              <a:spcAft>
+                <a:spcPts val="0"/>
+              </a:spcAft>
+              <a:buNone/>
+            </a:pPr>
+            <a:r>
+              <a:rPr b="1" lang="en" sz="1100">
+                <a:latin typeface="Roboto Mono"/>
+                <a:ea typeface="Roboto Mono"/>
+                <a:cs typeface="Roboto Mono"/>
+                <a:sym typeface="Roboto Mono"/>
+              </a:rPr>
+              <a:t>	z := 9;</a:t>
+            </a:r>
+            <a:endParaRPr b="1" sz="1100">
+              <a:latin typeface="Roboto Mono"/>
+              <a:ea typeface="Roboto Mono"/>
+              <a:cs typeface="Roboto Mono"/>
+              <a:sym typeface="Roboto Mono"/>
+            </a:endParaRPr>
+          </a:p>
+          <a:p>
+            <a:pPr indent="0" lvl="0" marL="0" rtl="0" algn="l">
+              <a:spcBef>
+                <a:spcPts val="1200"/>
+              </a:spcBef>
+              <a:spcAft>
+                <a:spcPts val="0"/>
+              </a:spcAft>
+              <a:buNone/>
+            </a:pPr>
+            <a:r>
+              <a:rPr b="1" lang="en" sz="1100">
+                <a:latin typeface="Roboto Mono"/>
+                <a:ea typeface="Roboto Mono"/>
+                <a:cs typeface="Roboto Mono"/>
+                <a:sym typeface="Roboto Mono"/>
+              </a:rPr>
+              <a:t>	while not i = 0 do</a:t>
+            </a:r>
+            <a:endParaRPr b="1" sz="1100">
+              <a:latin typeface="Roboto Mono"/>
+              <a:ea typeface="Roboto Mono"/>
+              <a:cs typeface="Roboto Mono"/>
+              <a:sym typeface="Roboto Mono"/>
+            </a:endParaRPr>
+          </a:p>
+          <a:p>
+            <a:pPr indent="0" lvl="0" marL="0" rtl="0" algn="l">
+              <a:spcBef>
+                <a:spcPts val="1200"/>
+              </a:spcBef>
+              <a:spcAft>
+                <a:spcPts val="0"/>
+              </a:spcAft>
+              <a:buNone/>
+            </a:pPr>
+            <a:r>
+              <a:rPr b="1" lang="en" sz="1100">
+                <a:latin typeface="Roboto Mono"/>
+                <a:ea typeface="Roboto Mono"/>
+                <a:cs typeface="Roboto Mono"/>
+                <a:sym typeface="Roboto Mono"/>
+              </a:rPr>
+              <a:t>		z := z / 3;</a:t>
+            </a:r>
+            <a:endParaRPr b="1" sz="1100">
+              <a:latin typeface="Roboto Mono"/>
+              <a:ea typeface="Roboto Mono"/>
+              <a:cs typeface="Roboto Mono"/>
+              <a:sym typeface="Roboto Mono"/>
+            </a:endParaRPr>
+          </a:p>
+          <a:p>
+            <a:pPr indent="0" lvl="0" marL="0" rtl="0" algn="l">
+              <a:spcBef>
+                <a:spcPts val="1200"/>
+              </a:spcBef>
+              <a:spcAft>
+                <a:spcPts val="0"/>
+              </a:spcAft>
+              <a:buNone/>
+            </a:pPr>
+            <a:r>
+              <a:rPr b="1" lang="en" sz="1100">
+                <a:latin typeface="Roboto Mono"/>
+                <a:ea typeface="Roboto Mono"/>
+                <a:cs typeface="Roboto Mono"/>
+                <a:sym typeface="Roboto Mono"/>
+              </a:rPr>
+              <a:t>		i := i - 1;</a:t>
+            </a:r>
+            <a:endParaRPr b="1" sz="1100">
+              <a:latin typeface="Roboto Mono"/>
+              <a:ea typeface="Roboto Mono"/>
+              <a:cs typeface="Roboto Mono"/>
+              <a:sym typeface="Roboto Mono"/>
+            </a:endParaRPr>
+          </a:p>
+          <a:p>
+            <a:pPr indent="0" lvl="0" marL="0" rtl="0" algn="l">
+              <a:spcBef>
+                <a:spcPts val="1200"/>
+              </a:spcBef>
+              <a:spcAft>
+                <a:spcPts val="0"/>
+              </a:spcAft>
+              <a:buNone/>
+            </a:pPr>
+            <a:r>
+              <a:rPr b="1" lang="en" sz="1100">
+                <a:latin typeface="Roboto Mono"/>
+                <a:ea typeface="Roboto Mono"/>
+                <a:cs typeface="Roboto Mono"/>
+                <a:sym typeface="Roboto Mono"/>
+              </a:rPr>
+              <a:t>	endwhile;</a:t>
+            </a:r>
+            <a:endParaRPr b="1" sz="1100">
+              <a:latin typeface="Roboto Mono"/>
+              <a:ea typeface="Roboto Mono"/>
+              <a:cs typeface="Roboto Mono"/>
+              <a:sym typeface="Roboto Mono"/>
+            </a:endParaRPr>
+          </a:p>
+          <a:p>
+            <a:pPr indent="0" lvl="0" marL="0" rtl="0" algn="l">
+              <a:spcBef>
+                <a:spcPts val="1200"/>
+              </a:spcBef>
+              <a:spcAft>
+                <a:spcPts val="0"/>
+              </a:spcAft>
+              <a:buNone/>
+            </a:pPr>
+            <a:r>
+              <a:rPr b="1" lang="en" sz="1100">
+                <a:latin typeface="Roboto Mono"/>
+                <a:ea typeface="Roboto Mono"/>
+                <a:cs typeface="Roboto Mono"/>
+                <a:sym typeface="Roboto Mono"/>
+              </a:rPr>
+              <a:t>	print(z)</a:t>
+            </a:r>
+            <a:endParaRPr b="1" sz="1100">
+              <a:latin typeface="Roboto Mono"/>
+              <a:ea typeface="Roboto Mono"/>
+              <a:cs typeface="Roboto Mono"/>
+              <a:sym typeface="Roboto Mono"/>
+            </a:endParaRPr>
+          </a:p>
+          <a:p>
+            <a:pPr indent="0" lvl="0" marL="0" rtl="0" algn="l">
+              <a:spcBef>
+                <a:spcPts val="1200"/>
+              </a:spcBef>
+              <a:spcAft>
+                <a:spcPts val="1200"/>
+              </a:spcAft>
+              <a:buNone/>
+            </a:pPr>
+            <a:r>
+              <a:rPr b="1" lang="en" sz="1100">
+                <a:latin typeface="Roboto Mono"/>
+                <a:ea typeface="Roboto Mono"/>
+                <a:cs typeface="Roboto Mono"/>
+                <a:sym typeface="Roboto Mono"/>
+              </a:rPr>
+              <a:t>end.</a:t>
+            </a:r>
+            <a:endParaRPr b="1" sz="1100">
+              <a:latin typeface="Roboto Mono"/>
+              <a:ea typeface="Roboto Mono"/>
+              <a:cs typeface="Roboto Mono"/>
+              <a:sym typeface="Roboto Mono"/>
+            </a:endParaRPr>
+          </a:p>
+        </p:txBody>
+      </p:sp>
+    </p:spTree>
+  </p:cSld>
+  <p:clrMapOvr>
+    <a:masterClrMapping/>
+  </p:clrMapOvr>
+</p:sld>
+</file>
+
+<file path=ppt/slides/slide12.xml><?xml version="1.0" encoding="utf-8"?>
+<p:sld xmlns:a="http://schemas.openxmlformats.org/drawingml/2006/main" xmlns:r="http://schemas.openxmlformats.org/officeDocument/2006/relationships" xmlns:mc="http://schemas.openxmlformats.org/markup-compatibility/2006" xmlns:mv="urn:schemas-microsoft-com:mac:vml" xmlns:p="http://schemas.openxmlformats.org/presentationml/2006/main" xmlns:c="http://schemas.openxmlformats.org/drawingml/2006/chart" xmlns:dgm="http://schemas.openxmlformats.org/drawingml/2006/diagram" xmlns:o="urn:schemas-microsoft-com:office:office" xmlns:v="urn:schemas-microsoft-com:vml" xmlns:pvml="urn:schemas-microsoft-com:office:powerpoint" xmlns:com="http://schemas.openxmlformats.org/drawingml/2006/compatibility" xmlns:p14="http://schemas.microsoft.com/office/powerpoint/2010/main" xmlns:p15="http://schemas.microsoft.com/office/powerpoint/2012/main" xmlns:ahyp="http://schemas.microsoft.com/office/drawing/2018/hyperlinkcolor">
+  <p:cSld>
+    <p:spTree>
+      <p:nvGrpSpPr>
+        <p:cNvPr id="126" name="Shape 126"/>
+        <p:cNvGrpSpPr/>
+        <p:nvPr/>
+      </p:nvGrpSpPr>
+      <p:grpSpPr>
+        <a:xfrm>
+          <a:off x="0" y="0"/>
+          <a:ext cx="0" cy="0"/>
+          <a:chOff x="0" y="0"/>
+          <a:chExt cx="0" cy="0"/>
+        </a:xfrm>
+      </p:grpSpPr>
+      <p:sp>
+        <p:nvSpPr>
+          <p:cNvPr id="127" name="Google Shape;127;p24"/>
+          <p:cNvSpPr txBox="1"/>
+          <p:nvPr>
+            <p:ph type="title"/>
+          </p:nvPr>
+        </p:nvSpPr>
+        <p:spPr>
+          <a:xfrm>
+            <a:off x="311700" y="445025"/>
+            <a:ext cx="8520600" cy="572700"/>
+          </a:xfrm>
+          <a:prstGeom prst="rect">
+            <a:avLst/>
+          </a:prstGeom>
+        </p:spPr>
+        <p:txBody>
+          <a:bodyPr anchorCtr="0" anchor="t" bIns="91425" lIns="91425" spcFirstLastPara="1" rIns="91425" wrap="square" tIns="91425">
+            <a:normAutofit fontScale="90000"/>
+          </a:bodyPr>
+          <a:lstStyle/>
+          <a:p>
+            <a:pPr indent="0" lvl="0" marL="0" rtl="0" algn="l">
+              <a:spcBef>
+                <a:spcPts val="0"/>
+              </a:spcBef>
+              <a:spcAft>
+                <a:spcPts val="0"/>
+              </a:spcAft>
+              <a:buNone/>
+            </a:pPr>
+            <a:r>
+              <a:rPr lang="en"/>
+              <a:t>Sample Program 3</a:t>
+            </a:r>
+            <a:endParaRPr/>
+          </a:p>
+        </p:txBody>
+      </p:sp>
+      <p:sp>
+        <p:nvSpPr>
+          <p:cNvPr id="128" name="Google Shape;128;p24"/>
+          <p:cNvSpPr txBox="1"/>
+          <p:nvPr>
+            <p:ph idx="1" type="body"/>
+          </p:nvPr>
+        </p:nvSpPr>
+        <p:spPr>
+          <a:xfrm>
+            <a:off x="311700" y="1152475"/>
+            <a:ext cx="3797700" cy="3416400"/>
+          </a:xfrm>
+          <a:prstGeom prst="rect">
+            <a:avLst/>
+          </a:prstGeom>
+        </p:spPr>
+        <p:txBody>
+          <a:bodyPr anchorCtr="0" anchor="t" bIns="91425" lIns="91425" spcFirstLastPara="1" rIns="91425" wrap="square" tIns="91425">
+            <a:normAutofit/>
+          </a:bodyPr>
+          <a:lstStyle/>
+          <a:p>
+            <a:pPr indent="0" lvl="0" marL="0" rtl="0" algn="l">
+              <a:spcBef>
+                <a:spcPts val="0"/>
+              </a:spcBef>
+              <a:spcAft>
+                <a:spcPts val="0"/>
+              </a:spcAft>
+              <a:buNone/>
+            </a:pPr>
+            <a:r>
+              <a:rPr lang="en" sz="1100">
+                <a:solidFill>
+                  <a:schemeClr val="dk1"/>
+                </a:solidFill>
+              </a:rPr>
+              <a:t>F</a:t>
+            </a:r>
+            <a:r>
+              <a:rPr lang="en" sz="1100">
+                <a:solidFill>
+                  <a:schemeClr val="dk1"/>
+                </a:solidFill>
+              </a:rPr>
+              <a:t>eatures shown: for i in range, string var, print string</a:t>
+            </a:r>
+            <a:endParaRPr sz="1100">
+              <a:solidFill>
+                <a:schemeClr val="dk1"/>
+              </a:solidFill>
+            </a:endParaRPr>
+          </a:p>
+          <a:p>
+            <a:pPr indent="0" lvl="0" marL="0" rtl="0" algn="l">
+              <a:spcBef>
+                <a:spcPts val="1200"/>
+              </a:spcBef>
+              <a:spcAft>
+                <a:spcPts val="0"/>
+              </a:spcAft>
+              <a:buNone/>
+            </a:pPr>
+            <a:r>
+              <a:rPr lang="en" sz="1100">
+                <a:solidFill>
+                  <a:schemeClr val="dk1"/>
+                </a:solidFill>
+              </a:rPr>
+              <a:t>Goal: print “hello” for 4 times</a:t>
+            </a:r>
+            <a:endParaRPr sz="1100">
+              <a:solidFill>
+                <a:schemeClr val="dk1"/>
+              </a:solidFill>
+            </a:endParaRPr>
+          </a:p>
+          <a:p>
+            <a:pPr indent="0" lvl="0" marL="0" rtl="0" algn="l">
+              <a:spcBef>
+                <a:spcPts val="1200"/>
+              </a:spcBef>
+              <a:spcAft>
+                <a:spcPts val="0"/>
+              </a:spcAft>
+              <a:buNone/>
+            </a:pPr>
+            <a:r>
+              <a:rPr lang="en" sz="1100">
+                <a:solidFill>
+                  <a:schemeClr val="dk1"/>
+                </a:solidFill>
+              </a:rPr>
+              <a:t>Expected output: </a:t>
+            </a:r>
+            <a:endParaRPr sz="1100">
+              <a:solidFill>
+                <a:schemeClr val="dk1"/>
+              </a:solidFill>
+            </a:endParaRPr>
+          </a:p>
+          <a:p>
+            <a:pPr indent="0" lvl="0" marL="0" rtl="0" algn="l">
+              <a:spcBef>
+                <a:spcPts val="1200"/>
+              </a:spcBef>
+              <a:spcAft>
+                <a:spcPts val="0"/>
+              </a:spcAft>
+              <a:buNone/>
+            </a:pPr>
+            <a:r>
+              <a:rPr lang="en" sz="1100">
+                <a:solidFill>
+                  <a:schemeClr val="dk1"/>
+                </a:solidFill>
+              </a:rPr>
+              <a:t>	hello</a:t>
+            </a:r>
+            <a:endParaRPr sz="1100">
+              <a:solidFill>
+                <a:schemeClr val="dk1"/>
+              </a:solidFill>
+            </a:endParaRPr>
+          </a:p>
+          <a:p>
+            <a:pPr indent="0" lvl="0" marL="0" rtl="0" algn="l">
+              <a:spcBef>
+                <a:spcPts val="1200"/>
+              </a:spcBef>
+              <a:spcAft>
+                <a:spcPts val="0"/>
+              </a:spcAft>
+              <a:buNone/>
+            </a:pPr>
+            <a:r>
+              <a:rPr lang="en" sz="1100">
+                <a:solidFill>
+                  <a:schemeClr val="dk1"/>
+                </a:solidFill>
+              </a:rPr>
+              <a:t>	hello</a:t>
+            </a:r>
+            <a:endParaRPr sz="1100">
+              <a:solidFill>
+                <a:schemeClr val="dk1"/>
+              </a:solidFill>
+            </a:endParaRPr>
+          </a:p>
+          <a:p>
+            <a:pPr indent="0" lvl="0" marL="0" rtl="0" algn="l">
+              <a:spcBef>
+                <a:spcPts val="1200"/>
+              </a:spcBef>
+              <a:spcAft>
+                <a:spcPts val="0"/>
+              </a:spcAft>
+              <a:buNone/>
+            </a:pPr>
+            <a:r>
+              <a:rPr lang="en" sz="1100">
+                <a:solidFill>
+                  <a:schemeClr val="dk1"/>
+                </a:solidFill>
+              </a:rPr>
+              <a:t>	hello</a:t>
+            </a:r>
+            <a:endParaRPr sz="1100">
+              <a:solidFill>
+                <a:schemeClr val="dk1"/>
+              </a:solidFill>
+            </a:endParaRPr>
+          </a:p>
+          <a:p>
+            <a:pPr indent="0" lvl="0" marL="0" rtl="0" algn="l">
+              <a:spcBef>
+                <a:spcPts val="1200"/>
+              </a:spcBef>
+              <a:spcAft>
+                <a:spcPts val="1200"/>
+              </a:spcAft>
+              <a:buNone/>
+            </a:pPr>
+            <a:r>
+              <a:rPr lang="en" sz="1100">
+                <a:solidFill>
+                  <a:schemeClr val="dk1"/>
+                </a:solidFill>
+              </a:rPr>
+              <a:t>	hello</a:t>
+            </a:r>
+            <a:endParaRPr sz="1100">
+              <a:solidFill>
+                <a:schemeClr val="dk1"/>
+              </a:solidFill>
+            </a:endParaRPr>
+          </a:p>
+        </p:txBody>
+      </p:sp>
+      <p:sp>
+        <p:nvSpPr>
+          <p:cNvPr id="129" name="Google Shape;129;p24"/>
+          <p:cNvSpPr txBox="1"/>
+          <p:nvPr>
+            <p:ph idx="1" type="body"/>
+          </p:nvPr>
+        </p:nvSpPr>
+        <p:spPr>
+          <a:xfrm>
+            <a:off x="4268650" y="1277175"/>
+            <a:ext cx="3797700" cy="3416400"/>
+          </a:xfrm>
+          <a:prstGeom prst="rect">
+            <a:avLst/>
+          </a:prstGeom>
+        </p:spPr>
+        <p:txBody>
+          <a:bodyPr anchorCtr="0" anchor="t" bIns="91425" lIns="91425" spcFirstLastPara="1" rIns="91425" wrap="square" tIns="91425">
+            <a:normAutofit/>
+          </a:bodyPr>
+          <a:lstStyle/>
+          <a:p>
+            <a:pPr indent="0" lvl="0" marL="0" rtl="0" algn="l">
+              <a:spcBef>
+                <a:spcPts val="0"/>
+              </a:spcBef>
+              <a:spcAft>
+                <a:spcPts val="0"/>
+              </a:spcAft>
+              <a:buNone/>
+            </a:pPr>
+            <a:r>
+              <a:rPr b="1" lang="en" sz="1100">
+                <a:latin typeface="Roboto Mono"/>
+                <a:ea typeface="Roboto Mono"/>
+                <a:cs typeface="Roboto Mono"/>
+                <a:sym typeface="Roboto Mono"/>
+              </a:rPr>
+              <a:t>begin</a:t>
+            </a:r>
+            <a:endParaRPr b="1" sz="1100">
+              <a:latin typeface="Roboto Mono"/>
+              <a:ea typeface="Roboto Mono"/>
+              <a:cs typeface="Roboto Mono"/>
+              <a:sym typeface="Roboto Mono"/>
+            </a:endParaRPr>
+          </a:p>
+          <a:p>
+            <a:pPr indent="0" lvl="0" marL="0" rtl="0" algn="l">
+              <a:spcBef>
+                <a:spcPts val="1200"/>
+              </a:spcBef>
+              <a:spcAft>
+                <a:spcPts val="0"/>
+              </a:spcAft>
+              <a:buNone/>
+            </a:pPr>
+            <a:r>
+              <a:rPr b="1" lang="en" sz="1100">
+                <a:latin typeface="Roboto Mono"/>
+                <a:ea typeface="Roboto Mono"/>
+                <a:cs typeface="Roboto Mono"/>
+                <a:sym typeface="Roboto Mono"/>
+              </a:rPr>
+              <a:t>	z := "hello";</a:t>
+            </a:r>
+            <a:endParaRPr b="1" sz="1100">
+              <a:latin typeface="Roboto Mono"/>
+              <a:ea typeface="Roboto Mono"/>
+              <a:cs typeface="Roboto Mono"/>
+              <a:sym typeface="Roboto Mono"/>
+            </a:endParaRPr>
+          </a:p>
+          <a:p>
+            <a:pPr indent="0" lvl="0" marL="0" rtl="0" algn="l">
+              <a:spcBef>
+                <a:spcPts val="1200"/>
+              </a:spcBef>
+              <a:spcAft>
+                <a:spcPts val="0"/>
+              </a:spcAft>
+              <a:buNone/>
+            </a:pPr>
+            <a:r>
+              <a:rPr b="1" lang="en" sz="1100">
+                <a:latin typeface="Roboto Mono"/>
+                <a:ea typeface="Roboto Mono"/>
+                <a:cs typeface="Roboto Mono"/>
+                <a:sym typeface="Roboto Mono"/>
+              </a:rPr>
+              <a:t>	for i in range(1,5) do</a:t>
+            </a:r>
+            <a:endParaRPr b="1" sz="1100">
+              <a:latin typeface="Roboto Mono"/>
+              <a:ea typeface="Roboto Mono"/>
+              <a:cs typeface="Roboto Mono"/>
+              <a:sym typeface="Roboto Mono"/>
+            </a:endParaRPr>
+          </a:p>
+          <a:p>
+            <a:pPr indent="0" lvl="0" marL="0" rtl="0" algn="l">
+              <a:spcBef>
+                <a:spcPts val="1200"/>
+              </a:spcBef>
+              <a:spcAft>
+                <a:spcPts val="0"/>
+              </a:spcAft>
+              <a:buNone/>
+            </a:pPr>
+            <a:r>
+              <a:rPr b="1" lang="en" sz="1100">
+                <a:latin typeface="Roboto Mono"/>
+                <a:ea typeface="Roboto Mono"/>
+                <a:cs typeface="Roboto Mono"/>
+                <a:sym typeface="Roboto Mono"/>
+              </a:rPr>
+              <a:t>		print(z)</a:t>
+            </a:r>
+            <a:endParaRPr b="1" sz="1100">
+              <a:latin typeface="Roboto Mono"/>
+              <a:ea typeface="Roboto Mono"/>
+              <a:cs typeface="Roboto Mono"/>
+              <a:sym typeface="Roboto Mono"/>
+            </a:endParaRPr>
+          </a:p>
+          <a:p>
+            <a:pPr indent="0" lvl="0" marL="0" rtl="0" algn="l">
+              <a:spcBef>
+                <a:spcPts val="1200"/>
+              </a:spcBef>
+              <a:spcAft>
+                <a:spcPts val="0"/>
+              </a:spcAft>
+              <a:buNone/>
+            </a:pPr>
+            <a:r>
+              <a:rPr b="1" lang="en" sz="1100">
+                <a:latin typeface="Roboto Mono"/>
+                <a:ea typeface="Roboto Mono"/>
+                <a:cs typeface="Roboto Mono"/>
+                <a:sym typeface="Roboto Mono"/>
+              </a:rPr>
+              <a:t>	endfor</a:t>
+            </a:r>
+            <a:endParaRPr b="1" sz="1100">
+              <a:latin typeface="Roboto Mono"/>
+              <a:ea typeface="Roboto Mono"/>
+              <a:cs typeface="Roboto Mono"/>
+              <a:sym typeface="Roboto Mono"/>
+            </a:endParaRPr>
+          </a:p>
+          <a:p>
+            <a:pPr indent="0" lvl="0" marL="0" rtl="0" algn="l">
+              <a:spcBef>
+                <a:spcPts val="1200"/>
+              </a:spcBef>
+              <a:spcAft>
+                <a:spcPts val="0"/>
+              </a:spcAft>
+              <a:buNone/>
+            </a:pPr>
+            <a:r>
+              <a:rPr b="1" lang="en" sz="1100">
+                <a:latin typeface="Roboto Mono"/>
+                <a:ea typeface="Roboto Mono"/>
+                <a:cs typeface="Roboto Mono"/>
+                <a:sym typeface="Roboto Mono"/>
+              </a:rPr>
+              <a:t>end.</a:t>
+            </a:r>
+            <a:endParaRPr b="1" sz="1100">
+              <a:latin typeface="Roboto Mono"/>
+              <a:ea typeface="Roboto Mono"/>
+              <a:cs typeface="Roboto Mono"/>
+              <a:sym typeface="Roboto Mono"/>
+            </a:endParaRPr>
+          </a:p>
+          <a:p>
+            <a:pPr indent="0" lvl="0" marL="0" rtl="0" algn="l">
+              <a:spcBef>
+                <a:spcPts val="1200"/>
+              </a:spcBef>
+              <a:spcAft>
+                <a:spcPts val="1200"/>
+              </a:spcAft>
+              <a:buNone/>
+            </a:pPr>
+            <a:r>
+              <a:t/>
+            </a:r>
+            <a:endParaRPr/>
+          </a:p>
+        </p:txBody>
+      </p:sp>
+    </p:spTree>
+  </p:cSld>
+  <p:clrMapOvr>
+    <a:masterClrMapping/>
+  </p:clrMapOvr>
+</p:sld>
+</file>
+
+<file path=ppt/slides/slide13.xml><?xml version="1.0" encoding="utf-8"?>
+<p:sld xmlns:a="http://schemas.openxmlformats.org/drawingml/2006/main" xmlns:r="http://schemas.openxmlformats.org/officeDocument/2006/relationships" xmlns:mc="http://schemas.openxmlformats.org/markup-compatibility/2006" xmlns:mv="urn:schemas-microsoft-com:mac:vml" xmlns:p="http://schemas.openxmlformats.org/presentationml/2006/main" xmlns:c="http://schemas.openxmlformats.org/drawingml/2006/chart" xmlns:dgm="http://schemas.openxmlformats.org/drawingml/2006/diagram" xmlns:o="urn:schemas-microsoft-com:office:office" xmlns:v="urn:schemas-microsoft-com:vml" xmlns:pvml="urn:schemas-microsoft-com:office:powerpoint" xmlns:com="http://schemas.openxmlformats.org/drawingml/2006/compatibility" xmlns:p14="http://schemas.microsoft.com/office/powerpoint/2010/main" xmlns:p15="http://schemas.microsoft.com/office/powerpoint/2012/main" xmlns:ahyp="http://schemas.microsoft.com/office/drawing/2018/hyperlinkcolor">
+  <p:cSld>
+    <p:spTree>
+      <p:nvGrpSpPr>
+        <p:cNvPr id="133" name="Shape 133"/>
+        <p:cNvGrpSpPr/>
+        <p:nvPr/>
+      </p:nvGrpSpPr>
+      <p:grpSpPr>
+        <a:xfrm>
+          <a:off x="0" y="0"/>
+          <a:ext cx="0" cy="0"/>
+          <a:chOff x="0" y="0"/>
+          <a:chExt cx="0" cy="0"/>
+        </a:xfrm>
+      </p:grpSpPr>
+      <p:sp>
+        <p:nvSpPr>
+          <p:cNvPr id="134" name="Google Shape;134;p25"/>
+          <p:cNvSpPr txBox="1"/>
+          <p:nvPr>
+            <p:ph type="title"/>
+          </p:nvPr>
+        </p:nvSpPr>
+        <p:spPr>
+          <a:xfrm>
+            <a:off x="311700" y="445025"/>
+            <a:ext cx="8520600" cy="572700"/>
+          </a:xfrm>
+          <a:prstGeom prst="rect">
+            <a:avLst/>
+          </a:prstGeom>
+        </p:spPr>
+        <p:txBody>
+          <a:bodyPr anchorCtr="0" anchor="t" bIns="91425" lIns="91425" spcFirstLastPara="1" rIns="91425" wrap="square" tIns="91425">
+            <a:normAutofit fontScale="90000"/>
+          </a:bodyPr>
+          <a:lstStyle/>
+          <a:p>
+            <a:pPr indent="0" lvl="0" marL="0" rtl="0" algn="l">
+              <a:spcBef>
+                <a:spcPts val="0"/>
+              </a:spcBef>
+              <a:spcAft>
+                <a:spcPts val="0"/>
+              </a:spcAft>
+              <a:buNone/>
+            </a:pPr>
+            <a:r>
+              <a:rPr lang="en"/>
+              <a:t>Sample Program 4</a:t>
+            </a:r>
+            <a:endParaRPr/>
+          </a:p>
+        </p:txBody>
+      </p:sp>
+      <p:sp>
+        <p:nvSpPr>
+          <p:cNvPr id="135" name="Google Shape;135;p25"/>
+          <p:cNvSpPr txBox="1"/>
+          <p:nvPr>
+            <p:ph idx="1" type="body"/>
+          </p:nvPr>
+        </p:nvSpPr>
+        <p:spPr>
+          <a:xfrm>
+            <a:off x="311700" y="1152475"/>
+            <a:ext cx="3806700" cy="3416400"/>
+          </a:xfrm>
+          <a:prstGeom prst="rect">
+            <a:avLst/>
+          </a:prstGeom>
+        </p:spPr>
+        <p:txBody>
+          <a:bodyPr anchorCtr="0" anchor="t" bIns="91425" lIns="91425" spcFirstLastPara="1" rIns="91425" wrap="square" tIns="91425">
+            <a:normAutofit/>
+          </a:bodyPr>
+          <a:lstStyle/>
+          <a:p>
+            <a:pPr indent="0" lvl="0" marL="0" rtl="0" algn="l">
+              <a:spcBef>
+                <a:spcPts val="0"/>
+              </a:spcBef>
+              <a:spcAft>
+                <a:spcPts val="0"/>
+              </a:spcAft>
+              <a:buNone/>
+            </a:pPr>
+            <a:r>
+              <a:rPr lang="en" sz="1100">
+                <a:solidFill>
+                  <a:schemeClr val="dk1"/>
+                </a:solidFill>
+              </a:rPr>
+              <a:t>F</a:t>
+            </a:r>
+            <a:r>
+              <a:rPr lang="en" sz="1100">
+                <a:solidFill>
+                  <a:schemeClr val="dk1"/>
+                </a:solidFill>
+              </a:rPr>
+              <a:t>eatures shown: ternary operator, and operator</a:t>
+            </a:r>
+            <a:endParaRPr sz="1100">
+              <a:solidFill>
+                <a:schemeClr val="dk1"/>
+              </a:solidFill>
+            </a:endParaRPr>
+          </a:p>
+          <a:p>
+            <a:pPr indent="0" lvl="0" marL="0" rtl="0" algn="l">
+              <a:spcBef>
+                <a:spcPts val="1200"/>
+              </a:spcBef>
+              <a:spcAft>
+                <a:spcPts val="0"/>
+              </a:spcAft>
+              <a:buNone/>
+            </a:pPr>
+            <a:r>
+              <a:rPr lang="en" sz="1100">
+                <a:solidFill>
+                  <a:schemeClr val="dk1"/>
+                </a:solidFill>
+              </a:rPr>
+              <a:t>Goal: print “hello” if variables x and z are 1, </a:t>
+            </a:r>
+            <a:endParaRPr sz="1100">
+              <a:solidFill>
+                <a:schemeClr val="dk1"/>
+              </a:solidFill>
+            </a:endParaRPr>
+          </a:p>
+          <a:p>
+            <a:pPr indent="0" lvl="0" marL="0" rtl="0" algn="l">
+              <a:spcBef>
+                <a:spcPts val="1200"/>
+              </a:spcBef>
+              <a:spcAft>
+                <a:spcPts val="0"/>
+              </a:spcAft>
+              <a:buNone/>
+            </a:pPr>
+            <a:r>
+              <a:rPr lang="en" sz="1100">
+                <a:solidFill>
+                  <a:schemeClr val="dk1"/>
+                </a:solidFill>
+              </a:rPr>
+              <a:t>otherwise print “goodbye”</a:t>
+            </a:r>
+            <a:endParaRPr sz="1100">
+              <a:solidFill>
+                <a:schemeClr val="dk1"/>
+              </a:solidFill>
+            </a:endParaRPr>
+          </a:p>
+          <a:p>
+            <a:pPr indent="0" lvl="0" marL="0" rtl="0" algn="l">
+              <a:spcBef>
+                <a:spcPts val="1200"/>
+              </a:spcBef>
+              <a:spcAft>
+                <a:spcPts val="0"/>
+              </a:spcAft>
+              <a:buClr>
+                <a:schemeClr val="dk1"/>
+              </a:buClr>
+              <a:buSzPts val="1100"/>
+              <a:buFont typeface="Arial"/>
+              <a:buNone/>
+            </a:pPr>
+            <a:r>
+              <a:rPr lang="en" sz="1100">
+                <a:solidFill>
+                  <a:schemeClr val="dk1"/>
+                </a:solidFill>
+              </a:rPr>
+              <a:t>Expected output: hello</a:t>
+            </a:r>
+            <a:endParaRPr sz="1100">
+              <a:solidFill>
+                <a:schemeClr val="dk1"/>
+              </a:solidFill>
+            </a:endParaRPr>
+          </a:p>
+          <a:p>
+            <a:pPr indent="0" lvl="0" marL="0" rtl="0" algn="l">
+              <a:spcBef>
+                <a:spcPts val="1200"/>
+              </a:spcBef>
+              <a:spcAft>
+                <a:spcPts val="1200"/>
+              </a:spcAft>
+              <a:buNone/>
+            </a:pPr>
+            <a:r>
+              <a:t/>
+            </a:r>
+            <a:endParaRPr sz="1100"/>
+          </a:p>
+        </p:txBody>
+      </p:sp>
+      <p:sp>
+        <p:nvSpPr>
+          <p:cNvPr id="136" name="Google Shape;136;p25"/>
+          <p:cNvSpPr txBox="1"/>
+          <p:nvPr>
+            <p:ph idx="1" type="body"/>
+          </p:nvPr>
+        </p:nvSpPr>
+        <p:spPr>
+          <a:xfrm>
+            <a:off x="4118400" y="1152475"/>
+            <a:ext cx="4118700" cy="3416400"/>
+          </a:xfrm>
+          <a:prstGeom prst="rect">
+            <a:avLst/>
+          </a:prstGeom>
+        </p:spPr>
+        <p:txBody>
+          <a:bodyPr anchorCtr="0" anchor="t" bIns="91425" lIns="91425" spcFirstLastPara="1" rIns="91425" wrap="square" tIns="91425">
+            <a:noAutofit/>
+          </a:bodyPr>
+          <a:lstStyle/>
+          <a:p>
+            <a:pPr indent="0" lvl="0" marL="0" rtl="0" algn="l">
+              <a:spcBef>
+                <a:spcPts val="0"/>
+              </a:spcBef>
+              <a:spcAft>
+                <a:spcPts val="0"/>
+              </a:spcAft>
+              <a:buNone/>
+            </a:pPr>
+            <a:r>
+              <a:rPr b="1" lang="en" sz="1100">
+                <a:latin typeface="Roboto Mono"/>
+                <a:ea typeface="Roboto Mono"/>
+                <a:cs typeface="Roboto Mono"/>
+                <a:sym typeface="Roboto Mono"/>
+              </a:rPr>
+              <a:t>begin</a:t>
+            </a:r>
+            <a:endParaRPr b="1" sz="1100">
+              <a:latin typeface="Roboto Mono"/>
+              <a:ea typeface="Roboto Mono"/>
+              <a:cs typeface="Roboto Mono"/>
+              <a:sym typeface="Roboto Mono"/>
+            </a:endParaRPr>
+          </a:p>
+          <a:p>
+            <a:pPr indent="0" lvl="0" marL="0" rtl="0" algn="l">
+              <a:spcBef>
+                <a:spcPts val="1200"/>
+              </a:spcBef>
+              <a:spcAft>
+                <a:spcPts val="0"/>
+              </a:spcAft>
+              <a:buNone/>
+            </a:pPr>
+            <a:r>
+              <a:rPr b="1" lang="en" sz="1100">
+                <a:latin typeface="Roboto Mono"/>
+                <a:ea typeface="Roboto Mono"/>
+                <a:cs typeface="Roboto Mono"/>
+                <a:sym typeface="Roboto Mono"/>
+              </a:rPr>
+              <a:t>	x := 1;</a:t>
+            </a:r>
+            <a:endParaRPr b="1" sz="1100">
+              <a:latin typeface="Roboto Mono"/>
+              <a:ea typeface="Roboto Mono"/>
+              <a:cs typeface="Roboto Mono"/>
+              <a:sym typeface="Roboto Mono"/>
+            </a:endParaRPr>
+          </a:p>
+          <a:p>
+            <a:pPr indent="0" lvl="0" marL="0" rtl="0" algn="l">
+              <a:spcBef>
+                <a:spcPts val="1200"/>
+              </a:spcBef>
+              <a:spcAft>
+                <a:spcPts val="0"/>
+              </a:spcAft>
+              <a:buNone/>
+            </a:pPr>
+            <a:r>
+              <a:rPr b="1" lang="en" sz="1100">
+                <a:latin typeface="Roboto Mono"/>
+                <a:ea typeface="Roboto Mono"/>
+                <a:cs typeface="Roboto Mono"/>
+                <a:sym typeface="Roboto Mono"/>
+              </a:rPr>
+              <a:t>	z := x;</a:t>
+            </a:r>
+            <a:endParaRPr b="1" sz="1100">
+              <a:latin typeface="Roboto Mono"/>
+              <a:ea typeface="Roboto Mono"/>
+              <a:cs typeface="Roboto Mono"/>
+              <a:sym typeface="Roboto Mono"/>
+            </a:endParaRPr>
+          </a:p>
+          <a:p>
+            <a:pPr indent="0" lvl="0" marL="0" rtl="0" algn="l">
+              <a:spcBef>
+                <a:spcPts val="1200"/>
+              </a:spcBef>
+              <a:spcAft>
+                <a:spcPts val="0"/>
+              </a:spcAft>
+              <a:buNone/>
+            </a:pPr>
+            <a:r>
+              <a:rPr b="1" lang="en" sz="1100">
+                <a:latin typeface="Roboto Mono"/>
+                <a:ea typeface="Roboto Mono"/>
+                <a:cs typeface="Roboto Mono"/>
+                <a:sym typeface="Roboto Mono"/>
+              </a:rPr>
+              <a:t>	x = 1 and z = 1 ? </a:t>
+            </a:r>
+            <a:endParaRPr b="1" sz="1100">
+              <a:latin typeface="Roboto Mono"/>
+              <a:ea typeface="Roboto Mono"/>
+              <a:cs typeface="Roboto Mono"/>
+              <a:sym typeface="Roboto Mono"/>
+            </a:endParaRPr>
+          </a:p>
+          <a:p>
+            <a:pPr indent="457200" lvl="0" marL="0" rtl="0" algn="l">
+              <a:spcBef>
+                <a:spcPts val="1200"/>
+              </a:spcBef>
+              <a:spcAft>
+                <a:spcPts val="0"/>
+              </a:spcAft>
+              <a:buNone/>
+            </a:pPr>
+            <a:r>
+              <a:rPr b="1" lang="en" sz="1100">
+                <a:latin typeface="Roboto Mono"/>
+                <a:ea typeface="Roboto Mono"/>
+                <a:cs typeface="Roboto Mono"/>
+                <a:sym typeface="Roboto Mono"/>
+              </a:rPr>
+              <a:t>print("hello") : print("goodbye") endtern</a:t>
+            </a:r>
+            <a:endParaRPr b="1" sz="1100">
+              <a:latin typeface="Roboto Mono"/>
+              <a:ea typeface="Roboto Mono"/>
+              <a:cs typeface="Roboto Mono"/>
+              <a:sym typeface="Roboto Mono"/>
+            </a:endParaRPr>
+          </a:p>
+          <a:p>
+            <a:pPr indent="0" lvl="0" marL="0" rtl="0" algn="l">
+              <a:spcBef>
+                <a:spcPts val="1200"/>
+              </a:spcBef>
+              <a:spcAft>
+                <a:spcPts val="0"/>
+              </a:spcAft>
+              <a:buNone/>
+            </a:pPr>
+            <a:r>
+              <a:rPr b="1" lang="en" sz="1100">
+                <a:latin typeface="Roboto Mono"/>
+                <a:ea typeface="Roboto Mono"/>
+                <a:cs typeface="Roboto Mono"/>
+                <a:sym typeface="Roboto Mono"/>
+              </a:rPr>
+              <a:t>end.</a:t>
+            </a:r>
+            <a:endParaRPr b="1" sz="1100">
+              <a:latin typeface="Roboto Mono"/>
+              <a:ea typeface="Roboto Mono"/>
+              <a:cs typeface="Roboto Mono"/>
+              <a:sym typeface="Roboto Mono"/>
+            </a:endParaRPr>
+          </a:p>
+          <a:p>
+            <a:pPr indent="0" lvl="0" marL="0" rtl="0" algn="l">
+              <a:spcBef>
+                <a:spcPts val="1200"/>
+              </a:spcBef>
+              <a:spcAft>
+                <a:spcPts val="0"/>
+              </a:spcAft>
+              <a:buNone/>
+            </a:pPr>
+            <a:r>
+              <a:t/>
+            </a:r>
+            <a:endParaRPr sz="1100"/>
+          </a:p>
+          <a:p>
+            <a:pPr indent="0" lvl="0" marL="0" rtl="0" algn="l">
+              <a:spcBef>
+                <a:spcPts val="1200"/>
+              </a:spcBef>
+              <a:spcAft>
+                <a:spcPts val="0"/>
+              </a:spcAft>
+              <a:buNone/>
+            </a:pPr>
+            <a:r>
+              <a:t/>
+            </a:r>
+            <a:endParaRPr sz="1100"/>
+          </a:p>
+          <a:p>
+            <a:pPr indent="0" lvl="0" marL="0" rtl="0" algn="l">
+              <a:spcBef>
+                <a:spcPts val="1200"/>
+              </a:spcBef>
+              <a:spcAft>
+                <a:spcPts val="0"/>
+              </a:spcAft>
+              <a:buNone/>
+            </a:pPr>
+            <a:r>
+              <a:t/>
+            </a:r>
+            <a:endParaRPr sz="1100"/>
+          </a:p>
+          <a:p>
+            <a:pPr indent="0" lvl="0" marL="0" rtl="0" algn="l">
+              <a:spcBef>
+                <a:spcPts val="1200"/>
+              </a:spcBef>
+              <a:spcAft>
+                <a:spcPts val="0"/>
+              </a:spcAft>
+              <a:buNone/>
+            </a:pPr>
+            <a:r>
+              <a:t/>
+            </a:r>
+            <a:endParaRPr sz="1100"/>
+          </a:p>
+          <a:p>
+            <a:pPr indent="0" lvl="0" marL="0" rtl="0" algn="l">
+              <a:spcBef>
+                <a:spcPts val="1200"/>
+              </a:spcBef>
+              <a:spcAft>
+                <a:spcPts val="1200"/>
+              </a:spcAft>
+              <a:buNone/>
+            </a:pPr>
+            <a:r>
+              <a:t/>
+            </a:r>
+            <a:endParaRPr sz="1100"/>
+          </a:p>
+        </p:txBody>
+      </p:sp>
+    </p:spTree>
+  </p:cSld>
+  <p:clrMapOvr>
+    <a:masterClrMapping/>
+  </p:clrMapOvr>
+</p:sld>
+</file>
+
+<file path=ppt/slides/slide14.xml><?xml version="1.0" encoding="utf-8"?>
+<p:sld xmlns:a="http://schemas.openxmlformats.org/drawingml/2006/main" xmlns:r="http://schemas.openxmlformats.org/officeDocument/2006/relationships" xmlns:mc="http://schemas.openxmlformats.org/markup-compatibility/2006" xmlns:mv="urn:schemas-microsoft-com:mac:vml" xmlns:p="http://schemas.openxmlformats.org/presentationml/2006/main" xmlns:c="http://schemas.openxmlformats.org/drawingml/2006/chart" xmlns:dgm="http://schemas.openxmlformats.org/drawingml/2006/diagram" xmlns:o="urn:schemas-microsoft-com:office:office" xmlns:v="urn:schemas-microsoft-com:vml" xmlns:pvml="urn:schemas-microsoft-com:office:powerpoint" xmlns:com="http://schemas.openxmlformats.org/drawingml/2006/compatibility" xmlns:p14="http://schemas.microsoft.com/office/powerpoint/2010/main" xmlns:p15="http://schemas.microsoft.com/office/powerpoint/2012/main" xmlns:ahyp="http://schemas.microsoft.com/office/drawing/2018/hyperlinkcolor">
+  <p:cSld>
+    <p:spTree>
+      <p:nvGrpSpPr>
+        <p:cNvPr id="140" name="Shape 140"/>
+        <p:cNvGrpSpPr/>
+        <p:nvPr/>
+      </p:nvGrpSpPr>
+      <p:grpSpPr>
+        <a:xfrm>
+          <a:off x="0" y="0"/>
+          <a:ext cx="0" cy="0"/>
+          <a:chOff x="0" y="0"/>
+          <a:chExt cx="0" cy="0"/>
+        </a:xfrm>
+      </p:grpSpPr>
+      <p:sp>
+        <p:nvSpPr>
+          <p:cNvPr id="141" name="Google Shape;141;p26"/>
+          <p:cNvSpPr txBox="1"/>
+          <p:nvPr>
+            <p:ph type="title"/>
+          </p:nvPr>
+        </p:nvSpPr>
+        <p:spPr>
+          <a:xfrm>
+            <a:off x="311700" y="445025"/>
+            <a:ext cx="8520600" cy="572700"/>
+          </a:xfrm>
+          <a:prstGeom prst="rect">
+            <a:avLst/>
+          </a:prstGeom>
+        </p:spPr>
+        <p:txBody>
+          <a:bodyPr anchorCtr="0" anchor="t" bIns="91425" lIns="91425" spcFirstLastPara="1" rIns="91425" wrap="square" tIns="91425">
+            <a:normAutofit fontScale="90000"/>
+          </a:bodyPr>
+          <a:lstStyle/>
+          <a:p>
+            <a:pPr indent="0" lvl="0" marL="0" rtl="0" algn="l">
+              <a:spcBef>
+                <a:spcPts val="0"/>
+              </a:spcBef>
+              <a:spcAft>
+                <a:spcPts val="0"/>
+              </a:spcAft>
+              <a:buNone/>
+            </a:pPr>
+            <a:r>
+              <a:rPr lang="en"/>
+              <a:t>Sample Program 5</a:t>
+            </a:r>
+            <a:endParaRPr/>
+          </a:p>
+        </p:txBody>
+      </p:sp>
+      <p:sp>
+        <p:nvSpPr>
+          <p:cNvPr id="142" name="Google Shape;142;p26"/>
+          <p:cNvSpPr txBox="1"/>
+          <p:nvPr>
+            <p:ph idx="1" type="body"/>
+          </p:nvPr>
+        </p:nvSpPr>
+        <p:spPr>
+          <a:xfrm>
+            <a:off x="311700" y="1152475"/>
+            <a:ext cx="3797700" cy="3416400"/>
+          </a:xfrm>
+          <a:prstGeom prst="rect">
+            <a:avLst/>
+          </a:prstGeom>
+        </p:spPr>
+        <p:txBody>
+          <a:bodyPr anchorCtr="0" anchor="t" bIns="91425" lIns="91425" spcFirstLastPara="1" rIns="91425" wrap="square" tIns="91425">
+            <a:normAutofit/>
+          </a:bodyPr>
+          <a:lstStyle/>
+          <a:p>
+            <a:pPr indent="0" lvl="0" marL="0" rtl="0" algn="l">
+              <a:spcBef>
+                <a:spcPts val="0"/>
+              </a:spcBef>
+              <a:spcAft>
+                <a:spcPts val="0"/>
+              </a:spcAft>
+              <a:buNone/>
+            </a:pPr>
+            <a:r>
+              <a:rPr lang="en" sz="1100">
+                <a:solidFill>
+                  <a:schemeClr val="dk1"/>
+                </a:solidFill>
+              </a:rPr>
+              <a:t>Features shown</a:t>
+            </a:r>
+            <a:r>
+              <a:rPr lang="en" sz="1100">
+                <a:solidFill>
+                  <a:schemeClr val="dk1"/>
+                </a:solidFill>
+              </a:rPr>
+              <a:t>: or operator</a:t>
+            </a:r>
+            <a:endParaRPr sz="1100">
+              <a:solidFill>
+                <a:schemeClr val="dk1"/>
+              </a:solidFill>
+            </a:endParaRPr>
+          </a:p>
+          <a:p>
+            <a:pPr indent="0" lvl="0" marL="0" rtl="0" algn="l">
+              <a:spcBef>
+                <a:spcPts val="1200"/>
+              </a:spcBef>
+              <a:spcAft>
+                <a:spcPts val="0"/>
+              </a:spcAft>
+              <a:buClr>
+                <a:schemeClr val="dk1"/>
+              </a:buClr>
+              <a:buSzPts val="1100"/>
+              <a:buFont typeface="Arial"/>
+              <a:buNone/>
+            </a:pPr>
+            <a:r>
+              <a:rPr lang="en" sz="1100">
+                <a:solidFill>
+                  <a:schemeClr val="dk1"/>
+                </a:solidFill>
+              </a:rPr>
+              <a:t>Goal: Perform binary OR operator on 1 and 1</a:t>
+            </a:r>
+            <a:endParaRPr sz="1100">
+              <a:solidFill>
+                <a:schemeClr val="dk1"/>
+              </a:solidFill>
+            </a:endParaRPr>
+          </a:p>
+          <a:p>
+            <a:pPr indent="0" lvl="0" marL="0" rtl="0" algn="l">
+              <a:spcBef>
+                <a:spcPts val="1200"/>
+              </a:spcBef>
+              <a:spcAft>
+                <a:spcPts val="0"/>
+              </a:spcAft>
+              <a:buClr>
+                <a:schemeClr val="dk1"/>
+              </a:buClr>
+              <a:buSzPts val="1100"/>
+              <a:buFont typeface="Arial"/>
+              <a:buNone/>
+            </a:pPr>
+            <a:r>
+              <a:rPr lang="en" sz="1100">
+                <a:solidFill>
+                  <a:schemeClr val="dk1"/>
+                </a:solidFill>
+              </a:rPr>
+              <a:t>Expected output: 1</a:t>
+            </a:r>
+            <a:endParaRPr sz="1100">
+              <a:solidFill>
+                <a:schemeClr val="dk1"/>
+              </a:solidFill>
+            </a:endParaRPr>
+          </a:p>
+          <a:p>
+            <a:pPr indent="0" lvl="0" marL="0" rtl="0" algn="l">
+              <a:spcBef>
+                <a:spcPts val="1200"/>
+              </a:spcBef>
+              <a:spcAft>
+                <a:spcPts val="0"/>
+              </a:spcAft>
+              <a:buClr>
+                <a:schemeClr val="dk1"/>
+              </a:buClr>
+              <a:buSzPts val="1100"/>
+              <a:buFont typeface="Arial"/>
+              <a:buNone/>
+            </a:pPr>
+            <a:r>
+              <a:t/>
+            </a:r>
+            <a:endParaRPr sz="1100"/>
+          </a:p>
+          <a:p>
+            <a:pPr indent="0" lvl="0" marL="0" rtl="0" algn="l">
+              <a:spcBef>
+                <a:spcPts val="1200"/>
+              </a:spcBef>
+              <a:spcAft>
+                <a:spcPts val="0"/>
+              </a:spcAft>
+              <a:buClr>
+                <a:schemeClr val="dk1"/>
+              </a:buClr>
+              <a:buSzPts val="1100"/>
+              <a:buFont typeface="Arial"/>
+              <a:buNone/>
+            </a:pPr>
+            <a:r>
+              <a:t/>
+            </a:r>
+            <a:endParaRPr sz="1100"/>
+          </a:p>
+          <a:p>
+            <a:pPr indent="0" lvl="0" marL="0" rtl="0" algn="l">
+              <a:spcBef>
+                <a:spcPts val="1200"/>
+              </a:spcBef>
+              <a:spcAft>
+                <a:spcPts val="0"/>
+              </a:spcAft>
+              <a:buClr>
+                <a:schemeClr val="dk1"/>
+              </a:buClr>
+              <a:buSzPts val="1100"/>
+              <a:buFont typeface="Arial"/>
+              <a:buNone/>
+            </a:pPr>
+            <a:r>
+              <a:t/>
+            </a:r>
+            <a:endParaRPr sz="1100"/>
+          </a:p>
+          <a:p>
+            <a:pPr indent="0" lvl="0" marL="0" rtl="0" algn="l">
+              <a:spcBef>
+                <a:spcPts val="1200"/>
+              </a:spcBef>
+              <a:spcAft>
+                <a:spcPts val="0"/>
+              </a:spcAft>
+              <a:buClr>
+                <a:schemeClr val="dk1"/>
+              </a:buClr>
+              <a:buSzPts val="1100"/>
+              <a:buFont typeface="Arial"/>
+              <a:buNone/>
+            </a:pPr>
+            <a:r>
+              <a:t/>
+            </a:r>
+            <a:endParaRPr sz="1100"/>
+          </a:p>
+          <a:p>
+            <a:pPr indent="0" lvl="0" marL="0" rtl="0" algn="l">
+              <a:spcBef>
+                <a:spcPts val="1200"/>
+              </a:spcBef>
+              <a:spcAft>
+                <a:spcPts val="1200"/>
+              </a:spcAft>
+              <a:buNone/>
+            </a:pPr>
+            <a:r>
+              <a:t/>
+            </a:r>
+            <a:endParaRPr sz="1100"/>
+          </a:p>
+        </p:txBody>
+      </p:sp>
+      <p:sp>
+        <p:nvSpPr>
+          <p:cNvPr id="143" name="Google Shape;143;p26"/>
+          <p:cNvSpPr txBox="1"/>
+          <p:nvPr>
+            <p:ph idx="1" type="body"/>
+          </p:nvPr>
+        </p:nvSpPr>
+        <p:spPr>
+          <a:xfrm>
+            <a:off x="4109400" y="1152475"/>
+            <a:ext cx="3797700" cy="3416400"/>
+          </a:xfrm>
+          <a:prstGeom prst="rect">
+            <a:avLst/>
+          </a:prstGeom>
+        </p:spPr>
+        <p:txBody>
+          <a:bodyPr anchorCtr="0" anchor="t" bIns="91425" lIns="91425" spcFirstLastPara="1" rIns="91425" wrap="square" tIns="91425">
+            <a:normAutofit fontScale="25000" lnSpcReduction="20000"/>
+          </a:bodyPr>
+          <a:lstStyle/>
+          <a:p>
+            <a:pPr indent="0" lvl="0" marL="0" rtl="0" algn="l">
+              <a:spcBef>
+                <a:spcPts val="0"/>
+              </a:spcBef>
+              <a:spcAft>
+                <a:spcPts val="0"/>
+              </a:spcAft>
+              <a:buNone/>
+            </a:pPr>
+            <a:r>
+              <a:rPr b="1" lang="en" sz="4400">
+                <a:latin typeface="Roboto Mono"/>
+                <a:ea typeface="Roboto Mono"/>
+                <a:cs typeface="Roboto Mono"/>
+                <a:sym typeface="Roboto Mono"/>
+              </a:rPr>
+              <a:t>begin</a:t>
+            </a:r>
+            <a:endParaRPr b="1" sz="4400">
+              <a:latin typeface="Roboto Mono"/>
+              <a:ea typeface="Roboto Mono"/>
+              <a:cs typeface="Roboto Mono"/>
+              <a:sym typeface="Roboto Mono"/>
+            </a:endParaRPr>
+          </a:p>
+          <a:p>
+            <a:pPr indent="0" lvl="0" marL="0" rtl="0" algn="l">
+              <a:spcBef>
+                <a:spcPts val="1200"/>
+              </a:spcBef>
+              <a:spcAft>
+                <a:spcPts val="0"/>
+              </a:spcAft>
+              <a:buNone/>
+            </a:pPr>
+            <a:r>
+              <a:rPr b="1" lang="en" sz="4400">
+                <a:latin typeface="Roboto Mono"/>
+                <a:ea typeface="Roboto Mono"/>
+                <a:cs typeface="Roboto Mono"/>
+                <a:sym typeface="Roboto Mono"/>
+              </a:rPr>
+              <a:t>	x := 0;</a:t>
+            </a:r>
+            <a:endParaRPr b="1" sz="4400">
+              <a:latin typeface="Roboto Mono"/>
+              <a:ea typeface="Roboto Mono"/>
+              <a:cs typeface="Roboto Mono"/>
+              <a:sym typeface="Roboto Mono"/>
+            </a:endParaRPr>
+          </a:p>
+          <a:p>
+            <a:pPr indent="0" lvl="0" marL="0" rtl="0" algn="l">
+              <a:spcBef>
+                <a:spcPts val="1200"/>
+              </a:spcBef>
+              <a:spcAft>
+                <a:spcPts val="0"/>
+              </a:spcAft>
+              <a:buNone/>
+            </a:pPr>
+            <a:r>
+              <a:rPr b="1" lang="en" sz="4400">
+                <a:latin typeface="Roboto Mono"/>
+                <a:ea typeface="Roboto Mono"/>
+                <a:cs typeface="Roboto Mono"/>
+                <a:sym typeface="Roboto Mono"/>
+              </a:rPr>
+              <a:t>	y := 1;</a:t>
+            </a:r>
+            <a:endParaRPr b="1" sz="4400">
+              <a:latin typeface="Roboto Mono"/>
+              <a:ea typeface="Roboto Mono"/>
+              <a:cs typeface="Roboto Mono"/>
+              <a:sym typeface="Roboto Mono"/>
+            </a:endParaRPr>
+          </a:p>
+          <a:p>
+            <a:pPr indent="0" lvl="0" marL="0" rtl="0" algn="l">
+              <a:spcBef>
+                <a:spcPts val="1200"/>
+              </a:spcBef>
+              <a:spcAft>
+                <a:spcPts val="0"/>
+              </a:spcAft>
+              <a:buNone/>
+            </a:pPr>
+            <a:r>
+              <a:rPr b="1" lang="en" sz="4400">
+                <a:latin typeface="Roboto Mono"/>
+                <a:ea typeface="Roboto Mono"/>
+                <a:cs typeface="Roboto Mono"/>
+                <a:sym typeface="Roboto Mono"/>
+              </a:rPr>
+              <a:t>	if x = 1 or y = 1 then z := 1 else z := 0 endif;</a:t>
+            </a:r>
+            <a:endParaRPr b="1" sz="4400">
+              <a:latin typeface="Roboto Mono"/>
+              <a:ea typeface="Roboto Mono"/>
+              <a:cs typeface="Roboto Mono"/>
+              <a:sym typeface="Roboto Mono"/>
+            </a:endParaRPr>
+          </a:p>
+          <a:p>
+            <a:pPr indent="457200" lvl="0" marL="0" rtl="0" algn="l">
+              <a:spcBef>
+                <a:spcPts val="1200"/>
+              </a:spcBef>
+              <a:spcAft>
+                <a:spcPts val="0"/>
+              </a:spcAft>
+              <a:buNone/>
+            </a:pPr>
+            <a:r>
+              <a:rPr b="1" lang="en" sz="4400">
+                <a:latin typeface="Roboto Mono"/>
+                <a:ea typeface="Roboto Mono"/>
+                <a:cs typeface="Roboto Mono"/>
+                <a:sym typeface="Roboto Mono"/>
+              </a:rPr>
+              <a:t>print(z)</a:t>
+            </a:r>
+            <a:endParaRPr b="1" sz="4400">
+              <a:latin typeface="Roboto Mono"/>
+              <a:ea typeface="Roboto Mono"/>
+              <a:cs typeface="Roboto Mono"/>
+              <a:sym typeface="Roboto Mono"/>
+            </a:endParaRPr>
+          </a:p>
+          <a:p>
+            <a:pPr indent="0" lvl="0" marL="0" rtl="0" algn="l">
+              <a:spcBef>
+                <a:spcPts val="1200"/>
+              </a:spcBef>
+              <a:spcAft>
+                <a:spcPts val="0"/>
+              </a:spcAft>
+              <a:buNone/>
+            </a:pPr>
+            <a:r>
+              <a:rPr b="1" lang="en" sz="4400">
+                <a:latin typeface="Roboto Mono"/>
+                <a:ea typeface="Roboto Mono"/>
+                <a:cs typeface="Roboto Mono"/>
+                <a:sym typeface="Roboto Mono"/>
+              </a:rPr>
+              <a:t>end.</a:t>
+            </a:r>
+            <a:endParaRPr b="1" sz="4400">
+              <a:latin typeface="Roboto Mono"/>
+              <a:ea typeface="Roboto Mono"/>
+              <a:cs typeface="Roboto Mono"/>
+              <a:sym typeface="Roboto Mono"/>
+            </a:endParaRPr>
+          </a:p>
+          <a:p>
+            <a:pPr indent="0" lvl="0" marL="0" rtl="0" algn="l">
+              <a:spcBef>
+                <a:spcPts val="1200"/>
+              </a:spcBef>
+              <a:spcAft>
+                <a:spcPts val="0"/>
+              </a:spcAft>
+              <a:buNone/>
+            </a:pPr>
+            <a:r>
+              <a:t/>
+            </a:r>
+            <a:endParaRPr b="1" sz="4400"/>
+          </a:p>
+          <a:p>
+            <a:pPr indent="0" lvl="0" marL="0" rtl="0" algn="l">
+              <a:spcBef>
+                <a:spcPts val="1200"/>
+              </a:spcBef>
+              <a:spcAft>
+                <a:spcPts val="0"/>
+              </a:spcAft>
+              <a:buNone/>
+            </a:pPr>
+            <a:r>
+              <a:t/>
+            </a:r>
+            <a:endParaRPr sz="4400"/>
+          </a:p>
+          <a:p>
+            <a:pPr indent="0" lvl="0" marL="0" rtl="0" algn="l">
+              <a:spcBef>
+                <a:spcPts val="1200"/>
+              </a:spcBef>
+              <a:spcAft>
+                <a:spcPts val="0"/>
+              </a:spcAft>
+              <a:buNone/>
+            </a:pPr>
+            <a:r>
+              <a:t/>
+            </a:r>
+            <a:endParaRPr sz="4400"/>
+          </a:p>
+          <a:p>
+            <a:pPr indent="0" lvl="0" marL="0" rtl="0" algn="l">
+              <a:spcBef>
+                <a:spcPts val="1200"/>
+              </a:spcBef>
+              <a:spcAft>
+                <a:spcPts val="0"/>
+              </a:spcAft>
+              <a:buNone/>
+            </a:pPr>
+            <a:r>
+              <a:t/>
+            </a:r>
+            <a:endParaRPr/>
+          </a:p>
+          <a:p>
+            <a:pPr indent="0" lvl="0" marL="0" rtl="0" algn="l">
+              <a:spcBef>
+                <a:spcPts val="1200"/>
+              </a:spcBef>
+              <a:spcAft>
+                <a:spcPts val="1200"/>
+              </a:spcAft>
+              <a:buNone/>
+            </a:pPr>
+            <a:r>
+              <a:t/>
+            </a:r>
+            <a:endParaRPr/>
+          </a:p>
+        </p:txBody>
+      </p:sp>
+    </p:spTree>
+  </p:cSld>
+  <p:clrMapOvr>
+    <a:masterClrMapping/>
+  </p:clrMapOvr>
+</p:sld>
+</file>
+
 <file path=ppt/slides/slide2.xml><?xml version="1.0" encoding="utf-8"?>
 <p:sld xmlns:a="http://schemas.openxmlformats.org/drawingml/2006/main" xmlns:r="http://schemas.openxmlformats.org/officeDocument/2006/relationships" xmlns:mc="http://schemas.openxmlformats.org/markup-compatibility/2006" xmlns:mv="urn:schemas-microsoft-com:mac:vml" xmlns:p="http://schemas.openxmlformats.org/presentationml/2006/main" xmlns:c="http://schemas.openxmlformats.org/drawingml/2006/chart" xmlns:dgm="http://schemas.openxmlformats.org/drawingml/2006/diagram" xmlns:o="urn:schemas-microsoft-com:office:office" xmlns:v="urn:schemas-microsoft-com:vml" xmlns:pvml="urn:schemas-microsoft-com:office:powerpoint" xmlns:com="http://schemas.openxmlformats.org/drawingml/2006/compatibility" xmlns:p14="http://schemas.microsoft.com/office/powerpoint/2010/main" xmlns:p15="http://schemas.microsoft.com/office/powerpoint/2012/main" xmlns:ahyp="http://schemas.microsoft.com/office/drawing/2018/hyperlinkcolor">
   <p:cSld>
@@ -6369,12 +9358,128 @@
                 <a:spcPts val="0"/>
               </a:spcBef>
               <a:spcAft>
-                <a:spcPts val="1200"/>
-              </a:spcAft>
+                <a:spcPts val="0"/>
+              </a:spcAft>
+              <a:buClr>
+                <a:schemeClr val="dk1"/>
+              </a:buClr>
+              <a:buSzPts val="1100"/>
+              <a:buFont typeface="Arial"/>
+              <a:buNone/>
+            </a:pPr>
+            <a:r>
+              <a:rPr lang="en" sz="1100">
+                <a:solidFill>
+                  <a:schemeClr val="dk1"/>
+                </a:solidFill>
+              </a:rPr>
+              <a:t>In this project, we introduce "ScriptShark", a programming language that synergizes the structured syntax of a language like Java with the dynamic runtime of a language like Prolog, using Definite Clause Grammars (DCG) for its implementation. </a:t>
+            </a:r>
+            <a:endParaRPr sz="1100">
+              <a:solidFill>
+                <a:schemeClr val="dk1"/>
+              </a:solidFill>
+            </a:endParaRPr>
+          </a:p>
+          <a:p>
+            <a:pPr indent="0" lvl="0" marL="0" rtl="0" algn="l">
+              <a:spcBef>
+                <a:spcPts val="0"/>
+              </a:spcBef>
+              <a:spcAft>
+                <a:spcPts val="0"/>
+              </a:spcAft>
+              <a:buClr>
+                <a:schemeClr val="dk1"/>
+              </a:buClr>
+              <a:buSzPts val="1100"/>
+              <a:buFont typeface="Arial"/>
               <a:buNone/>
             </a:pPr>
             <a:r>
               <a:t/>
+            </a:r>
+            <a:endParaRPr sz="1100">
+              <a:solidFill>
+                <a:schemeClr val="dk1"/>
+              </a:solidFill>
+            </a:endParaRPr>
+          </a:p>
+          <a:p>
+            <a:pPr indent="0" lvl="0" marL="0" rtl="0" algn="l">
+              <a:spcBef>
+                <a:spcPts val="0"/>
+              </a:spcBef>
+              <a:spcAft>
+                <a:spcPts val="0"/>
+              </a:spcAft>
+              <a:buClr>
+                <a:schemeClr val="dk1"/>
+              </a:buClr>
+              <a:buSzPts val="1100"/>
+              <a:buFont typeface="Arial"/>
+              <a:buNone/>
+            </a:pPr>
+            <a:r>
+              <a:rPr lang="en" sz="1100">
+                <a:solidFill>
+                  <a:schemeClr val="dk1"/>
+                </a:solidFill>
+              </a:rPr>
+              <a:t>The lexical analyzer (Prolog implementation) will use Prolog library functions to transform a stream of characters into tokens. The parser (Prolog implementation) will convert the token list to a parse tree using Definite Clause Grammars (DCG). Finally, the interpreter (also Prolog implementation) will evaluate the parse tree during runtime.</a:t>
+            </a:r>
+            <a:endParaRPr sz="1100">
+              <a:solidFill>
+                <a:schemeClr val="dk1"/>
+              </a:solidFill>
+            </a:endParaRPr>
+          </a:p>
+          <a:p>
+            <a:pPr indent="0" lvl="0" marL="0" rtl="0" algn="l">
+              <a:spcBef>
+                <a:spcPts val="0"/>
+              </a:spcBef>
+              <a:spcAft>
+                <a:spcPts val="0"/>
+              </a:spcAft>
+              <a:buClr>
+                <a:schemeClr val="dk1"/>
+              </a:buClr>
+              <a:buSzPts val="1100"/>
+              <a:buFont typeface="Arial"/>
+              <a:buNone/>
+            </a:pPr>
+            <a:r>
+              <a:t/>
+            </a:r>
+            <a:endParaRPr sz="1100">
+              <a:solidFill>
+                <a:schemeClr val="dk1"/>
+              </a:solidFill>
+            </a:endParaRPr>
+          </a:p>
+          <a:p>
+            <a:pPr indent="0" lvl="0" marL="0" rtl="0" algn="l">
+              <a:spcBef>
+                <a:spcPts val="0"/>
+              </a:spcBef>
+              <a:spcAft>
+                <a:spcPts val="0"/>
+              </a:spcAft>
+              <a:buClr>
+                <a:schemeClr val="dk1"/>
+              </a:buClr>
+              <a:buSzPts val="1100"/>
+              <a:buFont typeface="Arial"/>
+              <a:buNone/>
+            </a:pPr>
+            <a:r>
+              <a:rPr lang="en" sz="1100">
+                <a:solidFill>
+                  <a:schemeClr val="dk1"/>
+                </a:solidFill>
+              </a:rPr>
+              <a:t>ScriptShark is designed to fulfill the specified language constraints, supporting basic data types, control structures, and loops akin to Java, while being parsed and executed within a dynamic runtime environment. By employing DCG for parsing, ScriptShark facilitates an efficient and clear translation of language constructs into an abstract syntax tree, which is then interpreted in a Prolog runtime environment.</a:t>
             </a:r>
             <a:endParaRPr/>
           </a:p>
@@ -7359,17 +10464,252 @@
                 <a:spcPts val="0"/>
               </a:spcBef>
               <a:spcAft>
+                <a:spcPts val="0"/>
+              </a:spcAft>
+              <a:buNone/>
+            </a:pPr>
+            <a:r>
+              <a:rPr lang="en" sz="1200">
+                <a:solidFill>
+                  <a:srgbClr val="0D0D0D"/>
+                </a:solidFill>
+                <a:highlight>
+                  <a:srgbClr val="FFFFFF"/>
+                </a:highlight>
+                <a:latin typeface="Roboto"/>
+                <a:ea typeface="Roboto"/>
+                <a:cs typeface="Roboto"/>
+                <a:sym typeface="Roboto"/>
+              </a:rPr>
+              <a:t>Lexical analysis in Prolog uses Definite Clause Grammars (DCG) to transform an input into tokens, leveraging the language's strengths in symbolic logic. This approach simplifies rule definition and integrates with Prolog's backtracking to efficiently handle ambiguities, making it ideal for robust lexical analyzers.</a:t>
+            </a:r>
+            <a:endParaRPr sz="1200">
+              <a:solidFill>
+                <a:srgbClr val="0D0D0D"/>
+              </a:solidFill>
+              <a:highlight>
+                <a:srgbClr val="FFFFFF"/>
+              </a:highlight>
+              <a:latin typeface="Roboto"/>
+              <a:ea typeface="Roboto"/>
+              <a:cs typeface="Roboto"/>
+              <a:sym typeface="Roboto"/>
+            </a:endParaRPr>
+          </a:p>
+          <a:p>
+            <a:pPr indent="0" lvl="0" marL="0" rtl="0" algn="l">
+              <a:spcBef>
                 <a:spcPts val="1200"/>
+              </a:spcBef>
+              <a:spcAft>
+                <a:spcPts val="0"/>
               </a:spcAft>
               <a:buNone/>
             </a:pPr>
             <a:r>
               <a:t/>
             </a:r>
-            <a:endParaRPr/>
+            <a:endParaRPr sz="1200">
+              <a:solidFill>
+                <a:srgbClr val="0D0D0D"/>
+              </a:solidFill>
+              <a:highlight>
+                <a:srgbClr val="FFFFFF"/>
+              </a:highlight>
+              <a:latin typeface="Roboto"/>
+              <a:ea typeface="Roboto"/>
+              <a:cs typeface="Roboto"/>
+              <a:sym typeface="Roboto"/>
+            </a:endParaRPr>
+          </a:p>
+          <a:p>
+            <a:pPr indent="0" lvl="0" marL="0" rtl="0" algn="l">
+              <a:spcBef>
+                <a:spcPts val="1200"/>
+              </a:spcBef>
+              <a:spcAft>
+                <a:spcPts val="0"/>
+              </a:spcAft>
+              <a:buNone/>
+            </a:pPr>
+            <a:r>
+              <a:rPr lang="en" sz="1200">
+                <a:solidFill>
+                  <a:srgbClr val="0D0D0D"/>
+                </a:solidFill>
+                <a:highlight>
+                  <a:srgbClr val="FFFFFF"/>
+                </a:highlight>
+                <a:latin typeface="Roboto"/>
+                <a:ea typeface="Roboto"/>
+                <a:cs typeface="Roboto"/>
+                <a:sym typeface="Roboto"/>
+              </a:rPr>
+              <a:t>To invoke the </a:t>
+            </a:r>
+            <a:r>
+              <a:rPr lang="en" sz="1200">
+                <a:solidFill>
+                  <a:srgbClr val="0D0D0D"/>
+                </a:solidFill>
+                <a:highlight>
+                  <a:srgbClr val="FFFFFF"/>
+                </a:highlight>
+                <a:latin typeface="Roboto"/>
+                <a:ea typeface="Roboto"/>
+                <a:cs typeface="Roboto"/>
+                <a:sym typeface="Roboto"/>
+              </a:rPr>
+              <a:t>Lexical</a:t>
+            </a:r>
+            <a:r>
+              <a:rPr lang="en" sz="1200">
+                <a:solidFill>
+                  <a:srgbClr val="0D0D0D"/>
+                </a:solidFill>
+                <a:highlight>
+                  <a:srgbClr val="FFFFFF"/>
+                </a:highlight>
+                <a:latin typeface="Roboto"/>
+                <a:ea typeface="Roboto"/>
+                <a:cs typeface="Roboto"/>
+                <a:sym typeface="Roboto"/>
+              </a:rPr>
+              <a:t> only, the following command can be used in a Prolog interpreter.</a:t>
+            </a:r>
+            <a:endParaRPr sz="1200">
+              <a:solidFill>
+                <a:srgbClr val="0D0D0D"/>
+              </a:solidFill>
+              <a:highlight>
+                <a:srgbClr val="FFFFFF"/>
+              </a:highlight>
+              <a:latin typeface="Roboto"/>
+              <a:ea typeface="Roboto"/>
+              <a:cs typeface="Roboto"/>
+              <a:sym typeface="Roboto"/>
+            </a:endParaRPr>
+          </a:p>
+          <a:p>
+            <a:pPr indent="0" lvl="0" marL="0" rtl="0" algn="l">
+              <a:spcBef>
+                <a:spcPts val="1200"/>
+              </a:spcBef>
+              <a:spcAft>
+                <a:spcPts val="0"/>
+              </a:spcAft>
+              <a:buNone/>
+            </a:pPr>
+            <a:r>
+              <a:rPr lang="en" sz="1200">
+                <a:solidFill>
+                  <a:srgbClr val="0D0D0D"/>
+                </a:solidFill>
+                <a:highlight>
+                  <a:srgbClr val="FFFFFF"/>
+                </a:highlight>
+                <a:latin typeface="Roboto"/>
+                <a:ea typeface="Roboto"/>
+                <a:cs typeface="Roboto"/>
+                <a:sym typeface="Roboto"/>
+              </a:rPr>
+              <a:t>?- lexer('begin x := 1; z := x; x = 1 and z = 1 ? print("hello") : print("goodbye") endtern end.', Tokens).</a:t>
+            </a:r>
+            <a:endParaRPr sz="1200">
+              <a:solidFill>
+                <a:srgbClr val="0D0D0D"/>
+              </a:solidFill>
+              <a:highlight>
+                <a:srgbClr val="FFFFFF"/>
+              </a:highlight>
+              <a:latin typeface="Roboto"/>
+              <a:ea typeface="Roboto"/>
+              <a:cs typeface="Roboto"/>
+              <a:sym typeface="Roboto"/>
+            </a:endParaRPr>
+          </a:p>
+          <a:p>
+            <a:pPr indent="0" lvl="0" marL="0" rtl="0" algn="l">
+              <a:spcBef>
+                <a:spcPts val="1200"/>
+              </a:spcBef>
+              <a:spcAft>
+                <a:spcPts val="0"/>
+              </a:spcAft>
+              <a:buNone/>
+            </a:pPr>
+            <a:r>
+              <a:t/>
+            </a:r>
+            <a:endParaRPr sz="1200">
+              <a:solidFill>
+                <a:srgbClr val="0D0D0D"/>
+              </a:solidFill>
+              <a:highlight>
+                <a:srgbClr val="FFFFFF"/>
+              </a:highlight>
+              <a:latin typeface="Roboto"/>
+              <a:ea typeface="Roboto"/>
+              <a:cs typeface="Roboto"/>
+              <a:sym typeface="Roboto"/>
+            </a:endParaRPr>
+          </a:p>
+          <a:p>
+            <a:pPr indent="0" lvl="0" marL="0" rtl="0" algn="l">
+              <a:spcBef>
+                <a:spcPts val="1200"/>
+              </a:spcBef>
+              <a:spcAft>
+                <a:spcPts val="1200"/>
+              </a:spcAft>
+              <a:buNone/>
+            </a:pPr>
+            <a:r>
+              <a:t/>
+            </a:r>
+            <a:endParaRPr sz="1200">
+              <a:solidFill>
+                <a:srgbClr val="0D0D0D"/>
+              </a:solidFill>
+              <a:highlight>
+                <a:srgbClr val="FFFFFF"/>
+              </a:highlight>
+              <a:latin typeface="Roboto"/>
+              <a:ea typeface="Roboto"/>
+              <a:cs typeface="Roboto"/>
+              <a:sym typeface="Roboto"/>
+            </a:endParaRPr>
           </a:p>
         </p:txBody>
       </p:sp>
+      <p:pic>
+        <p:nvPicPr>
+          <p:cNvPr id="75" name="Google Shape;75;p16"/>
+          <p:cNvPicPr preferRelativeResize="0"/>
+          <p:nvPr/>
+        </p:nvPicPr>
+        <p:blipFill>
+          <a:blip r:embed="rId3">
+            <a:alphaModFix/>
+          </a:blip>
+          <a:stretch>
+            <a:fillRect/>
+          </a:stretch>
+        </p:blipFill>
+        <p:spPr>
+          <a:xfrm>
+            <a:off x="372975" y="3125025"/>
+            <a:ext cx="8459326" cy="261975"/>
+          </a:xfrm>
+          <a:prstGeom prst="rect">
+            <a:avLst/>
+          </a:prstGeom>
+          <a:noFill/>
+          <a:ln>
+            <a:noFill/>
+          </a:ln>
+        </p:spPr>
+      </p:pic>
     </p:spTree>
   </p:cSld>
   <p:clrMapOvr>
@@ -7383,7 +10723,7 @@
   <p:cSld>
     <p:spTree>
       <p:nvGrpSpPr>
-        <p:cNvPr id="78" name="Shape 78"/>
+        <p:cNvPr id="79" name="Shape 79"/>
         <p:cNvGrpSpPr/>
         <p:nvPr/>
       </p:nvGrpSpPr>
@@ -7397,7 +10737,7 @@
       </p:grpSpPr>
       <p:sp>
         <p:nvSpPr>
-          <p:cNvPr id="79" name="Google Shape;79;p17"/>
+          <p:cNvPr id="80" name="Google Shape;80;p17"/>
           <p:cNvSpPr txBox="1"/>
           <p:nvPr>
             <p:ph type="title"/>
@@ -7445,7 +10785,7 @@
       </p:sp>
       <p:sp>
         <p:nvSpPr>
-          <p:cNvPr id="80" name="Google Shape;80;p17"/>
+          <p:cNvPr id="81" name="Google Shape;81;p17"/>
           <p:cNvSpPr txBox="1"/>
           <p:nvPr>
             <p:ph idx="1" type="body"/>
@@ -7596,7 +10936,7 @@
       </p:sp>
       <p:pic>
         <p:nvPicPr>
-          <p:cNvPr id="81" name="Google Shape;81;p17"/>
+          <p:cNvPr id="82" name="Google Shape;82;p17"/>
           <p:cNvPicPr preferRelativeResize="0"/>
           <p:nvPr/>
         </p:nvPicPr>
@@ -7635,7 +10975,7 @@
   <p:cSld>
     <p:spTree>
       <p:nvGrpSpPr>
-        <p:cNvPr id="85" name="Shape 85"/>
+        <p:cNvPr id="86" name="Shape 86"/>
         <p:cNvGrpSpPr/>
         <p:nvPr/>
       </p:nvGrpSpPr>
@@ -7649,7 +10989,7 @@
       </p:grpSpPr>
       <p:sp>
         <p:nvSpPr>
-          <p:cNvPr id="86" name="Google Shape;86;p18"/>
+          <p:cNvPr id="87" name="Google Shape;87;p18"/>
           <p:cNvSpPr txBox="1"/>
           <p:nvPr>
             <p:ph type="title"/>
@@ -7694,7 +11034,7 @@
       </p:sp>
       <p:sp>
         <p:nvSpPr>
-          <p:cNvPr id="87" name="Google Shape;87;p18"/>
+          <p:cNvPr id="88" name="Google Shape;88;p18"/>
           <p:cNvSpPr txBox="1"/>
           <p:nvPr>
             <p:ph idx="1" type="body"/>
@@ -7982,7 +11322,7 @@
                   <a:schemeClr val="dk1"/>
                 </a:solidFill>
               </a:rPr>
-              <a:t>and_expr, not_expr, not, eq</a:t>
+              <a:t>and_expr, not_expr, or, eq</a:t>
             </a:r>
             <a:endParaRPr sz="1100">
               <a:solidFill>
@@ -8313,7 +11653,7 @@
   <p:cSld>
     <p:spTree>
       <p:nvGrpSpPr>
-        <p:cNvPr id="91" name="Shape 91"/>
+        <p:cNvPr id="92" name="Shape 92"/>
         <p:cNvGrpSpPr/>
         <p:nvPr/>
       </p:nvGrpSpPr>
@@ -8327,7 +11667,7 @@
       </p:grpSpPr>
       <p:sp>
         <p:nvSpPr>
-          <p:cNvPr id="92" name="Google Shape;92;p19"/>
+          <p:cNvPr id="93" name="Google Shape;93;p19"/>
           <p:cNvSpPr txBox="1"/>
           <p:nvPr>
             <p:ph type="title"/>
@@ -8367,7 +11707,7 @@
       </p:sp>
       <p:sp>
         <p:nvSpPr>
-          <p:cNvPr id="93" name="Google Shape;93;p19"/>
+          <p:cNvPr id="94" name="Google Shape;94;p19"/>
           <p:cNvSpPr txBox="1"/>
           <p:nvPr>
             <p:ph idx="1" type="body"/>
@@ -8375,7 +11715,7 @@
         </p:nvSpPr>
         <p:spPr>
           <a:xfrm>
-            <a:off x="311700" y="1152475"/>
+            <a:off x="311700" y="1161300"/>
             <a:ext cx="8520600" cy="1674300"/>
           </a:xfrm>
           <a:prstGeom prst="rect">
@@ -8534,7 +11874,7 @@
       </p:sp>
       <p:pic>
         <p:nvPicPr>
-          <p:cNvPr id="94" name="Google Shape;94;p19"/>
+          <p:cNvPr id="95" name="Google Shape;95;p19"/>
           <p:cNvPicPr preferRelativeResize="0"/>
           <p:nvPr/>
         </p:nvPicPr>
@@ -8573,7 +11913,7 @@
   <p:cSld>
     <p:spTree>
       <p:nvGrpSpPr>
-        <p:cNvPr id="98" name="Shape 98"/>
+        <p:cNvPr id="99" name="Shape 99"/>
         <p:cNvGrpSpPr/>
         <p:nvPr/>
       </p:nvGrpSpPr>
@@ -8587,7 +11927,7 @@
       </p:grpSpPr>
       <p:sp>
         <p:nvSpPr>
-          <p:cNvPr id="99" name="Google Shape;99;p20"/>
+          <p:cNvPr id="100" name="Google Shape;100;p20"/>
           <p:cNvSpPr txBox="1"/>
           <p:nvPr>
             <p:ph type="title"/>
@@ -8619,7 +11959,7 @@
             </a:pPr>
             <a:r>
               <a:rPr lang="en"/>
-              <a:t>Installation &amp; Runtime Compiler</a:t>
+              <a:t>Runtime</a:t>
             </a:r>
             <a:endParaRPr/>
           </a:p>
@@ -8627,7 +11967,7 @@
       </p:sp>
       <p:sp>
         <p:nvSpPr>
-          <p:cNvPr id="100" name="Google Shape;100;p20"/>
+          <p:cNvPr id="101" name="Google Shape;101;p20"/>
           <p:cNvSpPr txBox="1"/>
           <p:nvPr>
             <p:ph idx="1" type="body"/>
@@ -8653,14 +11993,594 @@
                 <a:spcPts val="0"/>
               </a:spcBef>
               <a:spcAft>
+                <a:spcPts val="0"/>
+              </a:spcAft>
+              <a:buNone/>
+            </a:pPr>
+            <a:r>
+              <a:rPr lang="en" sz="1100">
+                <a:solidFill>
+                  <a:schemeClr val="dk1"/>
+                </a:solidFill>
+              </a:rPr>
+              <a:t>The Runtime was implemented in Prolog with bash scripting. It takes one command-line argument for the name of the ScriptShark file to execute, and runs the following process:</a:t>
+            </a:r>
+            <a:endParaRPr sz="1100">
+              <a:solidFill>
+                <a:schemeClr val="dk1"/>
+              </a:solidFill>
+            </a:endParaRPr>
+          </a:p>
+          <a:p>
+            <a:pPr indent="0" lvl="0" marL="0" rtl="0" algn="ctr">
+              <a:spcBef>
                 <a:spcPts val="1200"/>
+              </a:spcBef>
+              <a:spcAft>
+                <a:spcPts val="0"/>
+              </a:spcAft>
+              <a:buNone/>
+            </a:pPr>
+            <a:r>
+              <a:rPr lang="en" sz="1100">
+                <a:solidFill>
+                  <a:schemeClr val="dk1"/>
+                </a:solidFill>
+              </a:rPr>
+              <a:t>ScriptShark file → Runtime script (preprocessing) → Tokenizer → Parser → Interpreter → Output</a:t>
+            </a:r>
+            <a:endParaRPr sz="1100">
+              <a:solidFill>
+                <a:schemeClr val="dk1"/>
+              </a:solidFill>
+            </a:endParaRPr>
+          </a:p>
+          <a:p>
+            <a:pPr indent="0" lvl="0" marL="0" rtl="0" algn="l">
+              <a:spcBef>
+                <a:spcPts val="1200"/>
+              </a:spcBef>
+              <a:spcAft>
+                <a:spcPts val="0"/>
+              </a:spcAft>
+              <a:buNone/>
+            </a:pPr>
+            <a:r>
+              <a:rPr lang="en" sz="1100">
+                <a:solidFill>
+                  <a:schemeClr val="dk1"/>
+                </a:solidFill>
+              </a:rPr>
+              <a:t>To invoke the runtime only, the following command can be run in a bash shell environment:</a:t>
+            </a:r>
+            <a:endParaRPr sz="1100">
+              <a:solidFill>
+                <a:schemeClr val="dk1"/>
+              </a:solidFill>
+            </a:endParaRPr>
+          </a:p>
+          <a:p>
+            <a:pPr indent="0" lvl="0" marL="0" rtl="0" algn="ctr">
+              <a:spcBef>
+                <a:spcPts val="1200"/>
+              </a:spcBef>
+              <a:spcAft>
+                <a:spcPts val="0"/>
+              </a:spcAft>
+              <a:buNone/>
+            </a:pPr>
+            <a:r>
+              <a:rPr lang="en" sz="1100">
+                <a:solidFill>
+                  <a:schemeClr val="dk1"/>
+                </a:solidFill>
+                <a:latin typeface="Roboto Mono"/>
+                <a:ea typeface="Roboto Mono"/>
+                <a:cs typeface="Roboto Mono"/>
+                <a:sym typeface="Roboto Mono"/>
+              </a:rPr>
+              <a:t>swipl -f ./src/ScriptShark.pl -g run -t halt </a:t>
+            </a:r>
+            <a:r>
+              <a:rPr lang="en" sz="1100">
+                <a:solidFill>
+                  <a:schemeClr val="dk1"/>
+                </a:solidFill>
+                <a:latin typeface="Roboto Mono"/>
+                <a:ea typeface="Roboto Mono"/>
+                <a:cs typeface="Roboto Mono"/>
+                <a:sym typeface="Roboto Mono"/>
+              </a:rPr>
+              <a:t>-- ./data/FileName.ScriptShark</a:t>
+            </a:r>
+            <a:endParaRPr sz="1100">
+              <a:solidFill>
+                <a:schemeClr val="dk1"/>
+              </a:solidFill>
+              <a:latin typeface="Roboto Mono"/>
+              <a:ea typeface="Roboto Mono"/>
+              <a:cs typeface="Roboto Mono"/>
+              <a:sym typeface="Roboto Mono"/>
+            </a:endParaRPr>
+          </a:p>
+          <a:p>
+            <a:pPr indent="0" lvl="0" marL="0" rtl="0" algn="l">
+              <a:spcBef>
+                <a:spcPts val="1200"/>
+              </a:spcBef>
+              <a:spcAft>
+                <a:spcPts val="0"/>
+              </a:spcAft>
+              <a:buNone/>
+            </a:pPr>
+            <a:r>
+              <a:rPr lang="en" sz="1100">
+                <a:solidFill>
+                  <a:schemeClr val="dk1"/>
+                </a:solidFill>
+              </a:rPr>
+              <a:t>A sample usage is shown below:</a:t>
+            </a:r>
+            <a:endParaRPr sz="1100">
+              <a:solidFill>
+                <a:schemeClr val="dk1"/>
+              </a:solidFill>
+            </a:endParaRPr>
+          </a:p>
+          <a:p>
+            <a:pPr indent="0" lvl="0" marL="0" rtl="0" algn="l">
+              <a:spcBef>
+                <a:spcPts val="1200"/>
+              </a:spcBef>
+              <a:spcAft>
+                <a:spcPts val="0"/>
               </a:spcAft>
               <a:buNone/>
             </a:pPr>
             <a:r>
               <a:t/>
             </a:r>
+            <a:endParaRPr sz="1100">
+              <a:solidFill>
+                <a:schemeClr val="dk1"/>
+              </a:solidFill>
+            </a:endParaRPr>
+          </a:p>
+          <a:p>
+            <a:pPr indent="0" lvl="0" marL="0" rtl="0" algn="l">
+              <a:spcBef>
+                <a:spcPts val="1200"/>
+              </a:spcBef>
+              <a:spcAft>
+                <a:spcPts val="0"/>
+              </a:spcAft>
+              <a:buNone/>
+            </a:pPr>
+            <a:r>
+              <a:t/>
+            </a:r>
+            <a:endParaRPr sz="1100">
+              <a:solidFill>
+                <a:schemeClr val="dk1"/>
+              </a:solidFill>
+            </a:endParaRPr>
+          </a:p>
+          <a:p>
+            <a:pPr indent="0" lvl="0" marL="0" rtl="0" algn="l">
+              <a:spcBef>
+                <a:spcPts val="1200"/>
+              </a:spcBef>
+              <a:spcAft>
+                <a:spcPts val="1200"/>
+              </a:spcAft>
+              <a:buNone/>
+            </a:pPr>
+            <a:r>
+              <a:t/>
+            </a:r>
+            <a:endParaRPr sz="1100"/>
+          </a:p>
+        </p:txBody>
+      </p:sp>
+      <p:pic>
+        <p:nvPicPr>
+          <p:cNvPr id="102" name="Google Shape;102;p20"/>
+          <p:cNvPicPr preferRelativeResize="0"/>
+          <p:nvPr/>
+        </p:nvPicPr>
+        <p:blipFill>
+          <a:blip r:embed="rId3">
+            <a:alphaModFix/>
+          </a:blip>
+          <a:stretch>
+            <a:fillRect/>
+          </a:stretch>
+        </p:blipFill>
+        <p:spPr>
+          <a:xfrm>
+            <a:off x="581863" y="3216075"/>
+            <a:ext cx="7980279" cy="269825"/>
+          </a:xfrm>
+          <a:prstGeom prst="rect">
+            <a:avLst/>
+          </a:prstGeom>
+          <a:noFill/>
+          <a:ln>
+            <a:noFill/>
+          </a:ln>
+        </p:spPr>
+      </p:pic>
+    </p:spTree>
+  </p:cSld>
+  <p:clrMapOvr>
+    <a:masterClrMapping/>
+  </p:clrMapOvr>
+</p:sld>
+</file>
+
+<file path=ppt/slides/slide9.xml><?xml version="1.0" encoding="utf-8"?>
+<p:sld xmlns:a="http://schemas.openxmlformats.org/drawingml/2006/main" xmlns:r="http://schemas.openxmlformats.org/officeDocument/2006/relationships" xmlns:mc="http://schemas.openxmlformats.org/markup-compatibility/2006" xmlns:mv="urn:schemas-microsoft-com:mac:vml" xmlns:p="http://schemas.openxmlformats.org/presentationml/2006/main" xmlns:c="http://schemas.openxmlformats.org/drawingml/2006/chart" xmlns:dgm="http://schemas.openxmlformats.org/drawingml/2006/diagram" xmlns:o="urn:schemas-microsoft-com:office:office" xmlns:v="urn:schemas-microsoft-com:vml" xmlns:pvml="urn:schemas-microsoft-com:office:powerpoint" xmlns:com="http://schemas.openxmlformats.org/drawingml/2006/compatibility" xmlns:p14="http://schemas.microsoft.com/office/powerpoint/2010/main" xmlns:p15="http://schemas.microsoft.com/office/powerpoint/2012/main" xmlns:ahyp="http://schemas.microsoft.com/office/drawing/2018/hyperlinkcolor">
+  <p:cSld>
+    <p:spTree>
+      <p:nvGrpSpPr>
+        <p:cNvPr id="106" name="Shape 106"/>
+        <p:cNvGrpSpPr/>
+        <p:nvPr/>
+      </p:nvGrpSpPr>
+      <p:grpSpPr>
+        <a:xfrm>
+          <a:off x="0" y="0"/>
+          <a:ext cx="0" cy="0"/>
+          <a:chOff x="0" y="0"/>
+          <a:chExt cx="0" cy="0"/>
+        </a:xfrm>
+      </p:grpSpPr>
+      <p:sp>
+        <p:nvSpPr>
+          <p:cNvPr id="107" name="Google Shape;107;p21"/>
+          <p:cNvSpPr txBox="1"/>
+          <p:nvPr>
+            <p:ph type="title"/>
+          </p:nvPr>
+        </p:nvSpPr>
+        <p:spPr>
+          <a:xfrm>
+            <a:off x="311700" y="445025"/>
+            <a:ext cx="8520600" cy="572700"/>
+          </a:xfrm>
+          <a:prstGeom prst="rect">
+            <a:avLst/>
+          </a:prstGeom>
+        </p:spPr>
+        <p:txBody>
+          <a:bodyPr anchorCtr="0" anchor="t" bIns="91425" lIns="91425" spcFirstLastPara="1" rIns="91425" wrap="square" tIns="91425">
+            <a:normAutofit fontScale="90000"/>
+          </a:bodyPr>
+          <a:lstStyle/>
+          <a:p>
+            <a:pPr indent="0" lvl="0" marL="0" rtl="0" algn="l">
+              <a:spcBef>
+                <a:spcPts val="0"/>
+              </a:spcBef>
+              <a:spcAft>
+                <a:spcPts val="0"/>
+              </a:spcAft>
+              <a:buNone/>
+            </a:pPr>
+            <a:r>
+              <a:rPr lang="en"/>
+              <a:t>Installation &amp; Execution</a:t>
+            </a:r>
             <a:endParaRPr/>
+          </a:p>
+        </p:txBody>
+      </p:sp>
+      <p:sp>
+        <p:nvSpPr>
+          <p:cNvPr id="108" name="Google Shape;108;p21"/>
+          <p:cNvSpPr txBox="1"/>
+          <p:nvPr>
+            <p:ph idx="1" type="body"/>
+          </p:nvPr>
+        </p:nvSpPr>
+        <p:spPr>
+          <a:xfrm>
+            <a:off x="311700" y="1152475"/>
+            <a:ext cx="8520600" cy="3416400"/>
+          </a:xfrm>
+          <a:prstGeom prst="rect">
+            <a:avLst/>
+          </a:prstGeom>
+        </p:spPr>
+        <p:txBody>
+          <a:bodyPr anchorCtr="0" anchor="t" bIns="91425" lIns="91425" spcFirstLastPara="1" rIns="91425" wrap="square" tIns="91425">
+            <a:normAutofit/>
+          </a:bodyPr>
+          <a:lstStyle/>
+          <a:p>
+            <a:pPr indent="0" lvl="0" marL="0" rtl="0" algn="l">
+              <a:spcBef>
+                <a:spcPts val="0"/>
+              </a:spcBef>
+              <a:spcAft>
+                <a:spcPts val="0"/>
+              </a:spcAft>
+              <a:buClr>
+                <a:schemeClr val="dk1"/>
+              </a:buClr>
+              <a:buSzPts val="1100"/>
+              <a:buFont typeface="Arial"/>
+              <a:buNone/>
+            </a:pPr>
+            <a:r>
+              <a:rPr b="1" lang="en" sz="1100">
+                <a:solidFill>
+                  <a:schemeClr val="dk1"/>
+                </a:solidFill>
+              </a:rPr>
+              <a:t>Installation</a:t>
+            </a:r>
+            <a:r>
+              <a:rPr lang="en" sz="1100">
+                <a:solidFill>
+                  <a:schemeClr val="dk1"/>
+                </a:solidFill>
+              </a:rPr>
+              <a:t>: Download ScriptShark GitHub repository.</a:t>
+            </a:r>
+            <a:endParaRPr sz="1100">
+              <a:solidFill>
+                <a:schemeClr val="dk1"/>
+              </a:solidFill>
+            </a:endParaRPr>
+          </a:p>
+          <a:p>
+            <a:pPr indent="0" lvl="0" marL="0" rtl="0" algn="l">
+              <a:spcBef>
+                <a:spcPts val="1200"/>
+              </a:spcBef>
+              <a:spcAft>
+                <a:spcPts val="0"/>
+              </a:spcAft>
+              <a:buClr>
+                <a:schemeClr val="dk1"/>
+              </a:buClr>
+              <a:buSzPts val="1100"/>
+              <a:buFont typeface="Arial"/>
+              <a:buNone/>
+            </a:pPr>
+            <a:r>
+              <a:rPr b="1" lang="en" sz="1100">
+                <a:solidFill>
+                  <a:schemeClr val="dk1"/>
+                </a:solidFill>
+              </a:rPr>
+              <a:t>Execution</a:t>
+            </a:r>
+            <a:r>
+              <a:rPr lang="en" sz="1100">
+                <a:solidFill>
+                  <a:schemeClr val="dk1"/>
+                </a:solidFill>
+              </a:rPr>
+              <a:t>:</a:t>
+            </a:r>
+            <a:endParaRPr sz="1100">
+              <a:solidFill>
+                <a:schemeClr val="dk1"/>
+              </a:solidFill>
+            </a:endParaRPr>
+          </a:p>
+          <a:p>
+            <a:pPr indent="-298450" lvl="0" marL="457200" rtl="0" algn="l">
+              <a:spcBef>
+                <a:spcPts val="1200"/>
+              </a:spcBef>
+              <a:spcAft>
+                <a:spcPts val="0"/>
+              </a:spcAft>
+              <a:buClr>
+                <a:schemeClr val="dk1"/>
+              </a:buClr>
+              <a:buSzPts val="1100"/>
+              <a:buAutoNum type="arabicPeriod"/>
+            </a:pPr>
+            <a:r>
+              <a:rPr lang="en" sz="1100">
+                <a:solidFill>
+                  <a:schemeClr val="dk1"/>
+                </a:solidFill>
+              </a:rPr>
+              <a:t>Prerequisites: bash shell, swipl is installed</a:t>
+            </a:r>
+            <a:endParaRPr sz="1100">
+              <a:solidFill>
+                <a:schemeClr val="dk1"/>
+              </a:solidFill>
+            </a:endParaRPr>
+          </a:p>
+          <a:p>
+            <a:pPr indent="-298450" lvl="0" marL="457200" rtl="0" algn="l">
+              <a:spcBef>
+                <a:spcPts val="0"/>
+              </a:spcBef>
+              <a:spcAft>
+                <a:spcPts val="0"/>
+              </a:spcAft>
+              <a:buClr>
+                <a:schemeClr val="dk1"/>
+              </a:buClr>
+              <a:buSzPts val="1100"/>
+              <a:buAutoNum type="arabicPeriod"/>
+            </a:pPr>
+            <a:r>
+              <a:rPr lang="en" sz="1100">
+                <a:solidFill>
+                  <a:schemeClr val="dk1"/>
+                </a:solidFill>
+              </a:rPr>
+              <a:t>Change current directory to repository folder.</a:t>
+            </a:r>
+            <a:endParaRPr sz="1100">
+              <a:solidFill>
+                <a:schemeClr val="dk1"/>
+              </a:solidFill>
+            </a:endParaRPr>
+          </a:p>
+          <a:p>
+            <a:pPr indent="-298450" lvl="0" marL="457200" rtl="0" algn="l">
+              <a:spcBef>
+                <a:spcPts val="0"/>
+              </a:spcBef>
+              <a:spcAft>
+                <a:spcPts val="0"/>
+              </a:spcAft>
+              <a:buClr>
+                <a:schemeClr val="dk1"/>
+              </a:buClr>
+              <a:buSzPts val="1100"/>
+              <a:buAutoNum type="arabicPeriod"/>
+            </a:pPr>
+            <a:r>
+              <a:rPr lang="en" sz="1100">
+                <a:solidFill>
+                  <a:schemeClr val="dk1"/>
+                </a:solidFill>
+              </a:rPr>
+              <a:t>To build the compiler, we only need to grant it executable permissions by running the following command:  </a:t>
+            </a:r>
+            <a:endParaRPr sz="1100">
+              <a:solidFill>
+                <a:schemeClr val="dk1"/>
+              </a:solidFill>
+            </a:endParaRPr>
+          </a:p>
+          <a:p>
+            <a:pPr indent="0" lvl="0" marL="457200" rtl="0" algn="ctr">
+              <a:spcBef>
+                <a:spcPts val="1200"/>
+              </a:spcBef>
+              <a:spcAft>
+                <a:spcPts val="0"/>
+              </a:spcAft>
+              <a:buNone/>
+            </a:pPr>
+            <a:r>
+              <a:rPr lang="en" sz="1100">
+                <a:solidFill>
+                  <a:schemeClr val="dk1"/>
+                </a:solidFill>
+                <a:latin typeface="Roboto Mono"/>
+                <a:ea typeface="Roboto Mono"/>
+                <a:cs typeface="Roboto Mono"/>
+                <a:sym typeface="Roboto Mono"/>
+              </a:rPr>
+              <a:t>chmod 700 ./src/ScriptShark.sh</a:t>
+            </a:r>
+            <a:endParaRPr sz="1100">
+              <a:solidFill>
+                <a:schemeClr val="dk1"/>
+              </a:solidFill>
+              <a:latin typeface="Roboto Mono"/>
+              <a:ea typeface="Roboto Mono"/>
+              <a:cs typeface="Roboto Mono"/>
+              <a:sym typeface="Roboto Mono"/>
+            </a:endParaRPr>
+          </a:p>
+          <a:p>
+            <a:pPr indent="-298450" lvl="0" marL="457200" rtl="0" algn="l">
+              <a:spcBef>
+                <a:spcPts val="1200"/>
+              </a:spcBef>
+              <a:spcAft>
+                <a:spcPts val="0"/>
+              </a:spcAft>
+              <a:buClr>
+                <a:schemeClr val="dk1"/>
+              </a:buClr>
+              <a:buSzPts val="1100"/>
+              <a:buAutoNum type="arabicPeriod"/>
+            </a:pPr>
+            <a:r>
+              <a:rPr lang="en" sz="1100">
+                <a:solidFill>
+                  <a:schemeClr val="dk1"/>
+                </a:solidFill>
+              </a:rPr>
+              <a:t>To run a ScriptShark file (ex. </a:t>
+            </a:r>
+            <a:r>
+              <a:rPr lang="en" sz="1100">
+                <a:solidFill>
+                  <a:schemeClr val="dk1"/>
+                </a:solidFill>
+                <a:latin typeface="Roboto Mono"/>
+                <a:ea typeface="Roboto Mono"/>
+                <a:cs typeface="Roboto Mono"/>
+                <a:sym typeface="Roboto Mono"/>
+              </a:rPr>
+              <a:t>./data/1.ScriptShark</a:t>
+            </a:r>
+            <a:r>
+              <a:rPr lang="en" sz="1100">
+                <a:solidFill>
+                  <a:schemeClr val="dk1"/>
+                </a:solidFill>
+              </a:rPr>
+              <a:t>), run the following command:  </a:t>
+            </a:r>
+            <a:endParaRPr sz="1100">
+              <a:solidFill>
+                <a:schemeClr val="dk1"/>
+              </a:solidFill>
+            </a:endParaRPr>
+          </a:p>
+          <a:p>
+            <a:pPr indent="0" lvl="0" marL="457200" rtl="0" algn="ctr">
+              <a:spcBef>
+                <a:spcPts val="1200"/>
+              </a:spcBef>
+              <a:spcAft>
+                <a:spcPts val="0"/>
+              </a:spcAft>
+              <a:buNone/>
+            </a:pPr>
+            <a:r>
+              <a:rPr lang="en" sz="1100">
+                <a:solidFill>
+                  <a:schemeClr val="dk1"/>
+                </a:solidFill>
+                <a:latin typeface="Roboto Mono"/>
+                <a:ea typeface="Roboto Mono"/>
+                <a:cs typeface="Roboto Mono"/>
+                <a:sym typeface="Roboto Mono"/>
+              </a:rPr>
+              <a:t>./src/ScriptShark.sh ./data/1.ScriptShark</a:t>
+            </a:r>
+            <a:endParaRPr sz="1100">
+              <a:solidFill>
+                <a:schemeClr val="dk1"/>
+              </a:solidFill>
+              <a:latin typeface="Roboto Mono"/>
+              <a:ea typeface="Roboto Mono"/>
+              <a:cs typeface="Roboto Mono"/>
+              <a:sym typeface="Roboto Mono"/>
+            </a:endParaRPr>
+          </a:p>
+          <a:p>
+            <a:pPr indent="0" lvl="0" marL="0" rtl="0" algn="l">
+              <a:spcBef>
+                <a:spcPts val="1200"/>
+              </a:spcBef>
+              <a:spcAft>
+                <a:spcPts val="1200"/>
+              </a:spcAft>
+              <a:buNone/>
+            </a:pPr>
+            <a:r>
+              <a:t/>
+            </a:r>
+            <a:endParaRPr sz="1100"/>
           </a:p>
         </p:txBody>
       </p:sp>
@@ -8673,6 +12593,285 @@
 </file>
 
 <file path=ppt/theme/theme1.xml><?xml version="1.0" encoding="utf-8"?>
+<a:theme xmlns:a="http://schemas.openxmlformats.org/drawingml/2006/main" xmlns:r="http://schemas.openxmlformats.org/officeDocument/2006/relationships">
+  <a:themeElements>
+    <a:clrScheme name="Default">
+      <a:dk1>
+        <a:srgbClr val="000000"/>
+      </a:dk1>
+      <a:lt1>
+        <a:srgbClr val="FFFFFF"/>
+      </a:lt1>
+      <a:dk2>
+        <a:srgbClr val="158158"/>
+      </a:dk2>
+      <a:lt2>
+        <a:srgbClr val="F3F3F3"/>
+      </a:lt2>
+      <a:accent1>
+        <a:srgbClr val="058DC7"/>
+      </a:accent1>
+      <a:accent2>
+        <a:srgbClr val="50B432"/>
+      </a:accent2>
+      <a:accent3>
+        <a:srgbClr val="ED561B"/>
+      </a:accent3>
+      <a:accent4>
+        <a:srgbClr val="EDEF00"/>
+      </a:accent4>
+      <a:accent5>
+        <a:srgbClr val="24CBE5"/>
+      </a:accent5>
+      <a:accent6>
+        <a:srgbClr val="64E572"/>
+      </a:accent6>
+      <a:hlink>
+        <a:srgbClr val="2200CC"/>
+      </a:hlink>
+      <a:folHlink>
+        <a:srgbClr val="551A8B"/>
+      </a:folHlink>
+    </a:clrScheme>
+    <a:fontScheme name="Office">
+      <a:majorFont>
+        <a:latin typeface="Arial"/>
+        <a:ea typeface=""/>
+        <a:cs typeface=""/>
+        <a:font script="Jpan" typeface="ＭＳ Ｐゴシック"/>
+        <a:font script="Hang" typeface="맑은 고딕"/>
+        <a:font script="Hans" typeface="宋体"/>
+        <a:font script="Hant" typeface="新細明體"/>
+        <a:font script="Arab" typeface="Times New Roman"/>
+        <a:font script="Hebr" typeface="Times New Roman"/>
+        <a:font script="Thai" typeface="Angsana New"/>
+        <a:font script="Ethi" typeface="Nyala"/>
+        <a:font script="Beng" typeface="Vrinda"/>
+        <a:font script="Gujr" typeface="Shruti"/>
+        <a:font script="Khmr" typeface="MoolBoran"/>
+        <a:font script="Knda" typeface="Tunga"/>
+        <a:font script="Guru" typeface="Raavi"/>
+        <a:font script="Cans" typeface="Euphemia"/>
+        <a:font script="Cher" typeface="Plantagenet Cherokee"/>
+        <a:font script="Yiii" typeface="Microsoft Yi Baiti"/>
+        <a:font script="Tibt" typeface="Microsoft Himalaya"/>
+        <a:font script="Thaa" typeface="MV Boli"/>
+        <a:font script="Deva" typeface="Mangal"/>
+        <a:font script="Telu" typeface="Gautami"/>
+        <a:font script="Taml" typeface="Latha"/>
+        <a:font script="Syrc" typeface="Estrangelo Edessa"/>
+        <a:font script="Orya" typeface="Kalinga"/>
+        <a:font script="Mlym" typeface="Kartika"/>
+        <a:font script="Laoo" typeface="DokChampa"/>
+        <a:font script="Sinh" typeface="Iskoola Pota"/>
+        <a:font script="Mong" typeface="Mongolian Baiti"/>
+        <a:font script="Viet" typeface="Times New Roman"/>
+        <a:font script="Uigh" typeface="Microsoft Uighur"/>
+        <a:font script="Geor" typeface="Sylfaen"/>
+      </a:majorFont>
+      <a:minorFont>
+        <a:latin typeface="Arial"/>
+        <a:ea typeface=""/>
+        <a:cs typeface=""/>
+        <a:font script="Jpan" typeface="ＭＳ Ｐゴシック"/>
+        <a:font script="Hang" typeface="맑은 고딕"/>
+        <a:font script="Hans" typeface="宋体"/>
+        <a:font script="Hant" typeface="新細明體"/>
+        <a:font script="Arab" typeface="Arial"/>
+        <a:font script="Hebr" typeface="Arial"/>
+        <a:font script="Thai" typeface="Cordia New"/>
+        <a:font script="Ethi" typeface="Nyala"/>
+        <a:font script="Beng" typeface="Vrinda"/>
+        <a:font script="Gujr" typeface="Shruti"/>
+        <a:font script="Khmr" typeface="DaunPenh"/>
+        <a:font script="Knda" typeface="Tunga"/>
+        <a:font script="Guru" typeface="Raavi"/>
+        <a:font script="Cans" typeface="Euphemia"/>
+        <a:font script="Cher" typeface="Plantagenet Cherokee"/>
+        <a:font script="Yiii" typeface="Microsoft Yi Baiti"/>
+        <a:font script="Tibt" typeface="Microsoft Himalaya"/>
+        <a:font script="Thaa" typeface="MV Boli"/>
+        <a:font script="Deva" typeface="Mangal"/>
+        <a:font script="Telu" typeface="Gautami"/>
+        <a:font script="Taml" typeface="Latha"/>
+        <a:font script="Syrc" typeface="Estrangelo Edessa"/>
+        <a:font script="Orya" typeface="Kalinga"/>
+        <a:font script="Mlym" typeface="Kartika"/>
+        <a:font script="Laoo" typeface="DokChampa"/>
+        <a:font script="Sinh" typeface="Iskoola Pota"/>
+        <a:font script="Mong" typeface="Mongolian Baiti"/>
+        <a:font script="Viet" typeface="Arial"/>
+        <a:font script="Uigh" typeface="Microsoft Uighur"/>
+        <a:font script="Geor" typeface="Sylfaen"/>
+      </a:minorFont>
+    </a:fontScheme>
+    <a:fmtScheme name="Office">
+      <a:fillStyleLst>
+        <a:solidFill>
+          <a:schemeClr val="phClr"/>
+        </a:solidFill>
+        <a:gradFill rotWithShape="1">
+          <a:gsLst>
+            <a:gs pos="0">
+              <a:schemeClr val="phClr">
+                <a:tint val="50000"/>
+                <a:satMod val="300000"/>
+              </a:schemeClr>
+            </a:gs>
+            <a:gs pos="35000">
+              <a:schemeClr val="phClr">
+                <a:tint val="37000"/>
+                <a:satMod val="300000"/>
+              </a:schemeClr>
+            </a:gs>
+            <a:gs pos="100000">
+              <a:schemeClr val="phClr">
+                <a:tint val="15000"/>
+                <a:satMod val="350000"/>
+              </a:schemeClr>
+            </a:gs>
+          </a:gsLst>
+          <a:lin ang="16200000" scaled="1"/>
+        </a:gradFill>
+        <a:gradFill rotWithShape="1">
+          <a:gsLst>
+            <a:gs pos="0">
+              <a:schemeClr val="phClr">
+                <a:tint val="100000"/>
+                <a:shade val="100000"/>
+                <a:satMod val="130000"/>
+              </a:schemeClr>
+            </a:gs>
+            <a:gs pos="100000">
+              <a:schemeClr val="phClr">
+                <a:tint val="50000"/>
+                <a:shade val="100000"/>
+                <a:satMod val="350000"/>
+              </a:schemeClr>
+            </a:gs>
+          </a:gsLst>
+          <a:lin ang="16200000" scaled="0"/>
+        </a:gradFill>
+      </a:fillStyleLst>
+      <a:lnStyleLst>
+        <a:ln w="9525" cap="flat" cmpd="sng" algn="ctr">
+          <a:solidFill>
+            <a:schemeClr val="phClr">
+              <a:shade val="95000"/>
+              <a:satMod val="105000"/>
+            </a:schemeClr>
+          </a:solidFill>
+          <a:prstDash val="solid"/>
+        </a:ln>
+        <a:ln w="25400" cap="flat" cmpd="sng" algn="ctr">
+          <a:solidFill>
+            <a:schemeClr val="phClr"/>
+          </a:solidFill>
+          <a:prstDash val="solid"/>
+        </a:ln>
+        <a:ln w="38100" cap="flat" cmpd="sng" algn="ctr">
+          <a:solidFill>
+            <a:schemeClr val="phClr"/>
+          </a:solidFill>
+          <a:prstDash val="solid"/>
+        </a:ln>
+      </a:lnStyleLst>
+      <a:effectStyleLst>
+        <a:effectStyle>
+          <a:effectLst>
+            <a:outerShdw blurRad="40000" dist="20000" dir="5400000" rotWithShape="0">
+              <a:srgbClr val="000000">
+                <a:alpha val="38000"/>
+              </a:srgbClr>
+            </a:outerShdw>
+          </a:effectLst>
+        </a:effectStyle>
+        <a:effectStyle>
+          <a:effectLst>
+            <a:outerShdw blurRad="40000" dist="23000" dir="5400000" rotWithShape="0">
+              <a:srgbClr val="000000">
+                <a:alpha val="35000"/>
+              </a:srgbClr>
+            </a:outerShdw>
+          </a:effectLst>
+        </a:effectStyle>
+        <a:effectStyle>
+          <a:effectLst>
+            <a:outerShdw blurRad="40000" dist="23000" dir="5400000" rotWithShape="0">
+              <a:srgbClr val="000000">
+                <a:alpha val="35000"/>
+              </a:srgbClr>
+            </a:outerShdw>
+          </a:effectLst>
+          <a:scene3d>
+            <a:camera prst="orthographicFront">
+              <a:rot lat="0" lon="0" rev="0"/>
+            </a:camera>
+            <a:lightRig rig="threePt" dir="t">
+              <a:rot lat="0" lon="0" rev="1200000"/>
+            </a:lightRig>
+          </a:scene3d>
+          <a:sp3d>
+            <a:bevelT w="63500" h="25400"/>
+          </a:sp3d>
+        </a:effectStyle>
+      </a:effectStyleLst>
+      <a:bgFillStyleLst>
+        <a:solidFill>
+          <a:schemeClr val="phClr"/>
+        </a:solidFill>
+        <a:gradFill rotWithShape="1">
+          <a:gsLst>
+            <a:gs pos="0">
+              <a:schemeClr val="phClr">
+                <a:tint val="40000"/>
+                <a:satMod val="350000"/>
+              </a:schemeClr>
+            </a:gs>
+            <a:gs pos="40000">
+              <a:schemeClr val="phClr">
+                <a:tint val="45000"/>
+                <a:shade val="99000"/>
+                <a:satMod val="350000"/>
+              </a:schemeClr>
+            </a:gs>
+            <a:gs pos="100000">
+              <a:schemeClr val="phClr">
+                <a:shade val="20000"/>
+                <a:satMod val="255000"/>
+              </a:schemeClr>
+            </a:gs>
+          </a:gsLst>
+          <a:path path="circle">
+            <a:fillToRect l="50000" t="-80000" r="50000" b="180000"/>
+          </a:path>
+        </a:gradFill>
+        <a:gradFill rotWithShape="1">
+          <a:gsLst>
+            <a:gs pos="0">
+              <a:schemeClr val="phClr">
+                <a:tint val="80000"/>
+                <a:satMod val="300000"/>
+              </a:schemeClr>
+            </a:gs>
+            <a:gs pos="100000">
+              <a:schemeClr val="phClr">
+                <a:shade val="30000"/>
+                <a:satMod val="200000"/>
+              </a:schemeClr>
+            </a:gs>
+          </a:gsLst>
+          <a:path path="circle">
+            <a:fillToRect l="50000" t="50000" r="50000" b="50000"/>
+          </a:path>
+        </a:gradFill>
+      </a:bgFillStyleLst>
+    </a:fmtScheme>
+  </a:themeElements>
+</a:theme>
+</file>
+
+<file path=ppt/theme/theme2.xml><?xml version="1.0" encoding="utf-8"?>
 <a:theme xmlns:a="http://schemas.openxmlformats.org/drawingml/2006/main" xmlns:r="http://schemas.openxmlformats.org/officeDocument/2006/relationships" name="Simple Light">
   <a:themeElements>
     <a:clrScheme name="Simple Light">
@@ -8949,283 +13148,4 @@
     </a:fmtScheme>
   </a:themeElements>
 </a:theme>
-</file>
-
-<file path=ppt/theme/theme2.xml><?xml version="1.0" encoding="utf-8"?>
-<a:theme xmlns:a="http://schemas.openxmlformats.org/drawingml/2006/main" xmlns:r="http://schemas.openxmlformats.org/officeDocument/2006/relationships">
-  <a:themeElements>
-    <a:clrScheme name="Default">
-      <a:dk1>
-        <a:srgbClr val="000000"/>
-      </a:dk1>
-      <a:lt1>
-        <a:srgbClr val="FFFFFF"/>
-      </a:lt1>
-      <a:dk2>
-        <a:srgbClr val="158158"/>
-      </a:dk2>
-      <a:lt2>
-        <a:srgbClr val="F3F3F3"/>
-      </a:lt2>
-      <a:accent1>
-        <a:srgbClr val="058DC7"/>
-      </a:accent1>
-      <a:accent2>
-        <a:srgbClr val="50B432"/>
-      </a:accent2>
-      <a:accent3>
-        <a:srgbClr val="ED561B"/>
-      </a:accent3>
-      <a:accent4>
-        <a:srgbClr val="EDEF00"/>
-      </a:accent4>
-      <a:accent5>
-        <a:srgbClr val="24CBE5"/>
-      </a:accent5>
-      <a:accent6>
-        <a:srgbClr val="64E572"/>
-      </a:accent6>
-      <a:hlink>
-        <a:srgbClr val="2200CC"/>
-      </a:hlink>
-      <a:folHlink>
-        <a:srgbClr val="551A8B"/>
-      </a:folHlink>
-    </a:clrScheme>
-    <a:fontScheme name="Office">
-      <a:majorFont>
-        <a:latin typeface="Arial"/>
-        <a:ea typeface=""/>
-        <a:cs typeface=""/>
-        <a:font script="Jpan" typeface="ＭＳ Ｐゴシック"/>
-        <a:font script="Hang" typeface="맑은 고딕"/>
-        <a:font script="Hans" typeface="宋体"/>
-        <a:font script="Hant" typeface="新細明體"/>
-        <a:font script="Arab" typeface="Times New Roman"/>
-        <a:font script="Hebr" typeface="Times New Roman"/>
-        <a:font script="Thai" typeface="Angsana New"/>
-        <a:font script="Ethi" typeface="Nyala"/>
-        <a:font script="Beng" typeface="Vrinda"/>
-        <a:font script="Gujr" typeface="Shruti"/>
-        <a:font script="Khmr" typeface="MoolBoran"/>
-        <a:font script="Knda" typeface="Tunga"/>
-        <a:font script="Guru" typeface="Raavi"/>
-        <a:font script="Cans" typeface="Euphemia"/>
-        <a:font script="Cher" typeface="Plantagenet Cherokee"/>
-        <a:font script="Yiii" typeface="Microsoft Yi Baiti"/>
-        <a:font script="Tibt" typeface="Microsoft Himalaya"/>
-        <a:font script="Thaa" typeface="MV Boli"/>
-        <a:font script="Deva" typeface="Mangal"/>
-        <a:font script="Telu" typeface="Gautami"/>
-        <a:font script="Taml" typeface="Latha"/>
-        <a:font script="Syrc" typeface="Estrangelo Edessa"/>
-        <a:font script="Orya" typeface="Kalinga"/>
-        <a:font script="Mlym" typeface="Kartika"/>
-        <a:font script="Laoo" typeface="DokChampa"/>
-        <a:font script="Sinh" typeface="Iskoola Pota"/>
-        <a:font script="Mong" typeface="Mongolian Baiti"/>
-        <a:font script="Viet" typeface="Times New Roman"/>
-        <a:font script="Uigh" typeface="Microsoft Uighur"/>
-        <a:font script="Geor" typeface="Sylfaen"/>
-      </a:majorFont>
-      <a:minorFont>
-        <a:latin typeface="Arial"/>
-        <a:ea typeface=""/>
-        <a:cs typeface=""/>
-        <a:font script="Jpan" typeface="ＭＳ Ｐゴシック"/>
-        <a:font script="Hang" typeface="맑은 고딕"/>
-        <a:font script="Hans" typeface="宋体"/>
-        <a:font script="Hant" typeface="新細明體"/>
-        <a:font script="Arab" typeface="Arial"/>
-        <a:font script="Hebr" typeface="Arial"/>
-        <a:font script="Thai" typeface="Cordia New"/>
-        <a:font script="Ethi" typeface="Nyala"/>
-        <a:font script="Beng" typeface="Vrinda"/>
-        <a:font script="Gujr" typeface="Shruti"/>
-        <a:font script="Khmr" typeface="DaunPenh"/>
-        <a:font script="Knda" typeface="Tunga"/>
-        <a:font script="Guru" typeface="Raavi"/>
-        <a:font script="Cans" typeface="Euphemia"/>
-        <a:font script="Cher" typeface="Plantagenet Cherokee"/>
-        <a:font script="Yiii" typeface="Microsoft Yi Baiti"/>
-        <a:font script="Tibt" typeface="Microsoft Himalaya"/>
-        <a:font script="Thaa" typeface="MV Boli"/>
-        <a:font script="Deva" typeface="Mangal"/>
-        <a:font script="Telu" typeface="Gautami"/>
-        <a:font script="Taml" typeface="Latha"/>
-        <a:font script="Syrc" typeface="Estrangelo Edessa"/>
-        <a:font script="Orya" typeface="Kalinga"/>
-        <a:font script="Mlym" typeface="Kartika"/>
-        <a:font script="Laoo" typeface="DokChampa"/>
-        <a:font script="Sinh" typeface="Iskoola Pota"/>
-        <a:font script="Mong" typeface="Mongolian Baiti"/>
-        <a:font script="Viet" typeface="Arial"/>
-        <a:font script="Uigh" typeface="Microsoft Uighur"/>
-        <a:font script="Geor" typeface="Sylfaen"/>
-      </a:minorFont>
-    </a:fontScheme>
-    <a:fmtScheme name="Office">
-      <a:fillStyleLst>
-        <a:solidFill>
-          <a:schemeClr val="phClr"/>
-        </a:solidFill>
-        <a:gradFill rotWithShape="1">
-          <a:gsLst>
-            <a:gs pos="0">
-              <a:schemeClr val="phClr">
-                <a:tint val="50000"/>
-                <a:satMod val="300000"/>
-              </a:schemeClr>
-            </a:gs>
-            <a:gs pos="35000">
-              <a:schemeClr val="phClr">
-                <a:tint val="37000"/>
-                <a:satMod val="300000"/>
-              </a:schemeClr>
-            </a:gs>
-            <a:gs pos="100000">
-              <a:schemeClr val="phClr">
-                <a:tint val="15000"/>
-                <a:satMod val="350000"/>
-              </a:schemeClr>
-            </a:gs>
-          </a:gsLst>
-          <a:lin ang="16200000" scaled="1"/>
-        </a:gradFill>
-        <a:gradFill rotWithShape="1">
-          <a:gsLst>
-            <a:gs pos="0">
-              <a:schemeClr val="phClr">
-                <a:tint val="100000"/>
-                <a:shade val="100000"/>
-                <a:satMod val="130000"/>
-              </a:schemeClr>
-            </a:gs>
-            <a:gs pos="100000">
-              <a:schemeClr val="phClr">
-                <a:tint val="50000"/>
-                <a:shade val="100000"/>
-                <a:satMod val="350000"/>
-              </a:schemeClr>
-            </a:gs>
-          </a:gsLst>
-          <a:lin ang="16200000" scaled="0"/>
-        </a:gradFill>
-      </a:fillStyleLst>
-      <a:lnStyleLst>
-        <a:ln w="9525" cap="flat" cmpd="sng" algn="ctr">
-          <a:solidFill>
-            <a:schemeClr val="phClr">
-              <a:shade val="95000"/>
-              <a:satMod val="105000"/>
-            </a:schemeClr>
-          </a:solidFill>
-          <a:prstDash val="solid"/>
-        </a:ln>
-        <a:ln w="25400" cap="flat" cmpd="sng" algn="ctr">
-          <a:solidFill>
-            <a:schemeClr val="phClr"/>
-          </a:solidFill>
-          <a:prstDash val="solid"/>
-        </a:ln>
-        <a:ln w="38100" cap="flat" cmpd="sng" algn="ctr">
-          <a:solidFill>
-            <a:schemeClr val="phClr"/>
-          </a:solidFill>
-          <a:prstDash val="solid"/>
-        </a:ln>
-      </a:lnStyleLst>
-      <a:effectStyleLst>
-        <a:effectStyle>
-          <a:effectLst>
-            <a:outerShdw blurRad="40000" dist="20000" dir="5400000" rotWithShape="0">
-              <a:srgbClr val="000000">
-                <a:alpha val="38000"/>
-              </a:srgbClr>
-            </a:outerShdw>
-          </a:effectLst>
-        </a:effectStyle>
-        <a:effectStyle>
-          <a:effectLst>
-            <a:outerShdw blurRad="40000" dist="23000" dir="5400000" rotWithShape="0">
-              <a:srgbClr val="000000">
-                <a:alpha val="35000"/>
-              </a:srgbClr>
-            </a:outerShdw>
-          </a:effectLst>
-        </a:effectStyle>
-        <a:effectStyle>
-          <a:effectLst>
-            <a:outerShdw blurRad="40000" dist="23000" dir="5400000" rotWithShape="0">
-              <a:srgbClr val="000000">
-                <a:alpha val="35000"/>
-              </a:srgbClr>
-            </a:outerShdw>
-          </a:effectLst>
-          <a:scene3d>
-            <a:camera prst="orthographicFront">
-              <a:rot lat="0" lon="0" rev="0"/>
-            </a:camera>
-            <a:lightRig rig="threePt" dir="t">
-              <a:rot lat="0" lon="0" rev="1200000"/>
-            </a:lightRig>
-          </a:scene3d>
-          <a:sp3d>
-            <a:bevelT w="63500" h="25400"/>
-          </a:sp3d>
-        </a:effectStyle>
-      </a:effectStyleLst>
-      <a:bgFillStyleLst>
-        <a:solidFill>
-          <a:schemeClr val="phClr"/>
-        </a:solidFill>
-        <a:gradFill rotWithShape="1">
-          <a:gsLst>
-            <a:gs pos="0">
-              <a:schemeClr val="phClr">
-                <a:tint val="40000"/>
-                <a:satMod val="350000"/>
-              </a:schemeClr>
-            </a:gs>
-            <a:gs pos="40000">
-              <a:schemeClr val="phClr">
-                <a:tint val="45000"/>
-                <a:shade val="99000"/>
-                <a:satMod val="350000"/>
-              </a:schemeClr>
-            </a:gs>
-            <a:gs pos="100000">
-              <a:schemeClr val="phClr">
-                <a:shade val="20000"/>
-                <a:satMod val="255000"/>
-              </a:schemeClr>
-            </a:gs>
-          </a:gsLst>
-          <a:path path="circle">
-            <a:fillToRect l="50000" t="-80000" r="50000" b="180000"/>
-          </a:path>
-        </a:gradFill>
-        <a:gradFill rotWithShape="1">
-          <a:gsLst>
-            <a:gs pos="0">
-              <a:schemeClr val="phClr">
-                <a:tint val="80000"/>
-                <a:satMod val="300000"/>
-              </a:schemeClr>
-            </a:gs>
-            <a:gs pos="100000">
-              <a:schemeClr val="phClr">
-                <a:shade val="30000"/>
-                <a:satMod val="200000"/>
-              </a:schemeClr>
-            </a:gs>
-          </a:gsLst>
-          <a:path path="circle">
-            <a:fillToRect l="50000" t="50000" r="50000" b="50000"/>
-          </a:path>
-        </a:gradFill>
-      </a:bgFillStyleLst>
-    </a:fmtScheme>
-  </a:themeElements>
-</a:theme>
 </file>